--- a/img/examples.pptx
+++ b/img/examples.pptx
@@ -6,6 +6,7 @@
   </p:sldMasterIdLst>
   <p:sldIdLst>
     <p:sldId id="256" r:id="rId2"/>
+    <p:sldId id="257" r:id="rId3"/>
   </p:sldIdLst>
   <p:sldSz cx="9144000" cy="6858000" type="screen4x3"/>
   <p:notesSz cx="6858000" cy="9144000"/>
@@ -4932,6 +4933,2195 @@
     <p:extLst>
       <p:ext uri="{BB962C8B-B14F-4D97-AF65-F5344CB8AC3E}">
         <p14:creationId xmlns:p14="http://schemas.microsoft.com/office/powerpoint/2010/main" val="1058839674"/>
+      </p:ext>
+    </p:extLst>
+  </p:cSld>
+  <p:clrMapOvr>
+    <a:masterClrMapping/>
+  </p:clrMapOvr>
+</p:sld>
+</file>
+
+<file path=ppt/slides/slide2.xml><?xml version="1.0" encoding="utf-8"?>
+<p:sld xmlns:a="http://schemas.openxmlformats.org/drawingml/2006/main" xmlns:r="http://schemas.openxmlformats.org/officeDocument/2006/relationships" xmlns:p="http://schemas.openxmlformats.org/presentationml/2006/main">
+  <p:cSld>
+    <p:spTree>
+      <p:nvGrpSpPr>
+        <p:cNvPr id="1" name=""/>
+        <p:cNvGrpSpPr/>
+        <p:nvPr/>
+      </p:nvGrpSpPr>
+      <p:grpSpPr>
+        <a:xfrm>
+          <a:off x="0" y="0"/>
+          <a:ext cx="0" cy="0"/>
+          <a:chOff x="0" y="0"/>
+          <a:chExt cx="0" cy="0"/>
+        </a:xfrm>
+      </p:grpSpPr>
+      <p:sp>
+        <p:nvSpPr>
+          <p:cNvPr id="4" name="TextBox 3"/>
+          <p:cNvSpPr txBox="1"/>
+          <p:nvPr/>
+        </p:nvSpPr>
+        <p:spPr>
+          <a:xfrm>
+            <a:off x="4259955" y="2228699"/>
+            <a:ext cx="684878" cy="369332"/>
+          </a:xfrm>
+          <a:prstGeom prst="rect">
+            <a:avLst/>
+          </a:prstGeom>
+          <a:noFill/>
+        </p:spPr>
+        <p:txBody>
+          <a:bodyPr wrap="none" rtlCol="0">
+            <a:spAutoFit/>
+          </a:bodyPr>
+          <a:lstStyle/>
+          <a:p>
+            <a:r>
+              <a:rPr lang="en-US" b="1" dirty="0" smtClean="0">
+                <a:latin typeface="Arial"/>
+                <a:cs typeface="Arial"/>
+              </a:rPr>
+              <a:t>DGE</a:t>
+            </a:r>
+            <a:endParaRPr lang="en-US" b="1" dirty="0">
+              <a:latin typeface="Arial"/>
+              <a:cs typeface="Arial"/>
+            </a:endParaRPr>
+          </a:p>
+        </p:txBody>
+      </p:sp>
+      <p:sp>
+        <p:nvSpPr>
+          <p:cNvPr id="5" name="TextBox 4"/>
+          <p:cNvSpPr txBox="1"/>
+          <p:nvPr/>
+        </p:nvSpPr>
+        <p:spPr>
+          <a:xfrm>
+            <a:off x="4257894" y="2682194"/>
+            <a:ext cx="1441508" cy="369332"/>
+          </a:xfrm>
+          <a:prstGeom prst="rect">
+            <a:avLst/>
+          </a:prstGeom>
+          <a:noFill/>
+        </p:spPr>
+        <p:txBody>
+          <a:bodyPr wrap="none" rtlCol="0">
+            <a:spAutoFit/>
+          </a:bodyPr>
+          <a:lstStyle/>
+          <a:p>
+            <a:r>
+              <a:rPr lang="en-US" b="1" dirty="0" smtClean="0">
+                <a:latin typeface="Arial"/>
+                <a:cs typeface="Arial"/>
+              </a:rPr>
+              <a:t>DGE &amp; DTE</a:t>
+            </a:r>
+            <a:endParaRPr lang="en-US" b="1" dirty="0">
+              <a:latin typeface="Arial"/>
+              <a:cs typeface="Arial"/>
+            </a:endParaRPr>
+          </a:p>
+        </p:txBody>
+      </p:sp>
+      <p:sp>
+        <p:nvSpPr>
+          <p:cNvPr id="6" name="TextBox 5"/>
+          <p:cNvSpPr txBox="1"/>
+          <p:nvPr/>
+        </p:nvSpPr>
+        <p:spPr>
+          <a:xfrm>
+            <a:off x="4269157" y="3238392"/>
+            <a:ext cx="1415697" cy="369332"/>
+          </a:xfrm>
+          <a:prstGeom prst="rect">
+            <a:avLst/>
+          </a:prstGeom>
+          <a:noFill/>
+        </p:spPr>
+        <p:txBody>
+          <a:bodyPr wrap="none" rtlCol="0">
+            <a:spAutoFit/>
+          </a:bodyPr>
+          <a:lstStyle/>
+          <a:p>
+            <a:r>
+              <a:rPr lang="en-US" b="1" dirty="0" smtClean="0">
+                <a:latin typeface="Arial"/>
+                <a:cs typeface="Arial"/>
+              </a:rPr>
+              <a:t>DTU &amp; DTE</a:t>
+            </a:r>
+            <a:endParaRPr lang="en-US" b="1" dirty="0">
+              <a:latin typeface="Arial"/>
+              <a:cs typeface="Arial"/>
+            </a:endParaRPr>
+          </a:p>
+        </p:txBody>
+      </p:sp>
+      <p:sp>
+        <p:nvSpPr>
+          <p:cNvPr id="7" name="Rectangle 6"/>
+          <p:cNvSpPr/>
+          <p:nvPr/>
+        </p:nvSpPr>
+        <p:spPr>
+          <a:xfrm>
+            <a:off x="1141481" y="2371769"/>
+            <a:ext cx="284052" cy="101600"/>
+          </a:xfrm>
+          <a:prstGeom prst="rect">
+            <a:avLst/>
+          </a:prstGeom>
+        </p:spPr>
+        <p:style>
+          <a:lnRef idx="1">
+            <a:schemeClr val="accent4"/>
+          </a:lnRef>
+          <a:fillRef idx="2">
+            <a:schemeClr val="accent4"/>
+          </a:fillRef>
+          <a:effectRef idx="1">
+            <a:schemeClr val="accent4"/>
+          </a:effectRef>
+          <a:fontRef idx="minor">
+            <a:schemeClr val="dk1"/>
+          </a:fontRef>
+        </p:style>
+        <p:txBody>
+          <a:bodyPr rtlCol="0" anchor="ctr"/>
+          <a:lstStyle/>
+          <a:p>
+            <a:pPr algn="ctr"/>
+            <a:endParaRPr lang="en-US"/>
+          </a:p>
+        </p:txBody>
+      </p:sp>
+      <p:sp>
+        <p:nvSpPr>
+          <p:cNvPr id="8" name="Rectangle 7"/>
+          <p:cNvSpPr/>
+          <p:nvPr/>
+        </p:nvSpPr>
+        <p:spPr>
+          <a:xfrm>
+            <a:off x="1577933" y="2371769"/>
+            <a:ext cx="244880" cy="101600"/>
+          </a:xfrm>
+          <a:prstGeom prst="rect">
+            <a:avLst/>
+          </a:prstGeom>
+        </p:spPr>
+        <p:style>
+          <a:lnRef idx="1">
+            <a:schemeClr val="accent4"/>
+          </a:lnRef>
+          <a:fillRef idx="2">
+            <a:schemeClr val="accent4"/>
+          </a:fillRef>
+          <a:effectRef idx="1">
+            <a:schemeClr val="accent4"/>
+          </a:effectRef>
+          <a:fontRef idx="minor">
+            <a:schemeClr val="dk1"/>
+          </a:fontRef>
+        </p:style>
+        <p:txBody>
+          <a:bodyPr rtlCol="0" anchor="ctr"/>
+          <a:lstStyle/>
+          <a:p>
+            <a:pPr algn="ctr"/>
+            <a:endParaRPr lang="en-US"/>
+          </a:p>
+        </p:txBody>
+      </p:sp>
+      <p:cxnSp>
+        <p:nvCxnSpPr>
+          <p:cNvPr id="10" name="Straight Connector 9"/>
+          <p:cNvCxnSpPr>
+            <a:stCxn id="7" idx="3"/>
+            <a:endCxn id="8" idx="1"/>
+          </p:cNvCxnSpPr>
+          <p:nvPr/>
+        </p:nvCxnSpPr>
+        <p:spPr>
+          <a:xfrm>
+            <a:off x="1425533" y="2422569"/>
+            <a:ext cx="152400" cy="0"/>
+          </a:xfrm>
+          <a:prstGeom prst="line">
+            <a:avLst/>
+          </a:prstGeom>
+        </p:spPr>
+        <p:style>
+          <a:lnRef idx="2">
+            <a:schemeClr val="dk1"/>
+          </a:lnRef>
+          <a:fillRef idx="0">
+            <a:schemeClr val="dk1"/>
+          </a:fillRef>
+          <a:effectRef idx="1">
+            <a:schemeClr val="dk1"/>
+          </a:effectRef>
+          <a:fontRef idx="minor">
+            <a:schemeClr val="tx1"/>
+          </a:fontRef>
+        </p:style>
+      </p:cxnSp>
+      <p:sp>
+        <p:nvSpPr>
+          <p:cNvPr id="11" name="Rectangle 10"/>
+          <p:cNvSpPr/>
+          <p:nvPr/>
+        </p:nvSpPr>
+        <p:spPr>
+          <a:xfrm>
+            <a:off x="1152240" y="2668032"/>
+            <a:ext cx="533400" cy="101600"/>
+          </a:xfrm>
+          <a:prstGeom prst="rect">
+            <a:avLst/>
+          </a:prstGeom>
+        </p:spPr>
+        <p:style>
+          <a:lnRef idx="1">
+            <a:schemeClr val="accent6"/>
+          </a:lnRef>
+          <a:fillRef idx="2">
+            <a:schemeClr val="accent6"/>
+          </a:fillRef>
+          <a:effectRef idx="1">
+            <a:schemeClr val="accent6"/>
+          </a:effectRef>
+          <a:fontRef idx="minor">
+            <a:schemeClr val="dk1"/>
+          </a:fontRef>
+        </p:style>
+        <p:txBody>
+          <a:bodyPr rtlCol="0" anchor="ctr"/>
+          <a:lstStyle/>
+          <a:p>
+            <a:pPr algn="ctr"/>
+            <a:endParaRPr lang="en-US"/>
+          </a:p>
+        </p:txBody>
+      </p:sp>
+      <p:sp>
+        <p:nvSpPr>
+          <p:cNvPr id="12" name="Rectangle 11"/>
+          <p:cNvSpPr/>
+          <p:nvPr/>
+        </p:nvSpPr>
+        <p:spPr>
+          <a:xfrm>
+            <a:off x="1838040" y="2668032"/>
+            <a:ext cx="244880" cy="101600"/>
+          </a:xfrm>
+          <a:prstGeom prst="rect">
+            <a:avLst/>
+          </a:prstGeom>
+        </p:spPr>
+        <p:style>
+          <a:lnRef idx="1">
+            <a:schemeClr val="accent6"/>
+          </a:lnRef>
+          <a:fillRef idx="2">
+            <a:schemeClr val="accent6"/>
+          </a:fillRef>
+          <a:effectRef idx="1">
+            <a:schemeClr val="accent6"/>
+          </a:effectRef>
+          <a:fontRef idx="minor">
+            <a:schemeClr val="dk1"/>
+          </a:fontRef>
+        </p:style>
+        <p:txBody>
+          <a:bodyPr rtlCol="0" anchor="ctr"/>
+          <a:lstStyle/>
+          <a:p>
+            <a:pPr algn="ctr"/>
+            <a:endParaRPr lang="en-US"/>
+          </a:p>
+        </p:txBody>
+      </p:sp>
+      <p:cxnSp>
+        <p:nvCxnSpPr>
+          <p:cNvPr id="13" name="Straight Connector 12"/>
+          <p:cNvCxnSpPr>
+            <a:stCxn id="11" idx="3"/>
+            <a:endCxn id="12" idx="1"/>
+          </p:cNvCxnSpPr>
+          <p:nvPr/>
+        </p:nvCxnSpPr>
+        <p:spPr>
+          <a:xfrm>
+            <a:off x="1685640" y="2718832"/>
+            <a:ext cx="152400" cy="0"/>
+          </a:xfrm>
+          <a:prstGeom prst="line">
+            <a:avLst/>
+          </a:prstGeom>
+        </p:spPr>
+        <p:style>
+          <a:lnRef idx="2">
+            <a:schemeClr val="dk1"/>
+          </a:lnRef>
+          <a:fillRef idx="0">
+            <a:schemeClr val="dk1"/>
+          </a:fillRef>
+          <a:effectRef idx="1">
+            <a:schemeClr val="dk1"/>
+          </a:effectRef>
+          <a:fontRef idx="minor">
+            <a:schemeClr val="tx1"/>
+          </a:fontRef>
+        </p:style>
+      </p:cxnSp>
+      <p:sp>
+        <p:nvSpPr>
+          <p:cNvPr id="14" name="Rectangle 13"/>
+          <p:cNvSpPr/>
+          <p:nvPr/>
+        </p:nvSpPr>
+        <p:spPr>
+          <a:xfrm>
+            <a:off x="1141481" y="2935764"/>
+            <a:ext cx="533400" cy="101600"/>
+          </a:xfrm>
+          <a:prstGeom prst="rect">
+            <a:avLst/>
+          </a:prstGeom>
+        </p:spPr>
+        <p:style>
+          <a:lnRef idx="1">
+            <a:schemeClr val="accent6"/>
+          </a:lnRef>
+          <a:fillRef idx="2">
+            <a:schemeClr val="accent6"/>
+          </a:fillRef>
+          <a:effectRef idx="1">
+            <a:schemeClr val="accent6"/>
+          </a:effectRef>
+          <a:fontRef idx="minor">
+            <a:schemeClr val="dk1"/>
+          </a:fontRef>
+        </p:style>
+        <p:txBody>
+          <a:bodyPr rtlCol="0" anchor="ctr"/>
+          <a:lstStyle/>
+          <a:p>
+            <a:pPr algn="ctr"/>
+            <a:endParaRPr lang="en-US"/>
+          </a:p>
+        </p:txBody>
+      </p:sp>
+      <p:sp>
+        <p:nvSpPr>
+          <p:cNvPr id="15" name="Rectangle 14"/>
+          <p:cNvSpPr/>
+          <p:nvPr/>
+        </p:nvSpPr>
+        <p:spPr>
+          <a:xfrm>
+            <a:off x="2195461" y="2935764"/>
+            <a:ext cx="244880" cy="101600"/>
+          </a:xfrm>
+          <a:prstGeom prst="rect">
+            <a:avLst/>
+          </a:prstGeom>
+        </p:spPr>
+        <p:style>
+          <a:lnRef idx="1">
+            <a:schemeClr val="accent6"/>
+          </a:lnRef>
+          <a:fillRef idx="2">
+            <a:schemeClr val="accent6"/>
+          </a:fillRef>
+          <a:effectRef idx="1">
+            <a:schemeClr val="accent6"/>
+          </a:effectRef>
+          <a:fontRef idx="minor">
+            <a:schemeClr val="dk1"/>
+          </a:fontRef>
+        </p:style>
+        <p:txBody>
+          <a:bodyPr rtlCol="0" anchor="ctr"/>
+          <a:lstStyle/>
+          <a:p>
+            <a:pPr algn="ctr"/>
+            <a:endParaRPr lang="en-US"/>
+          </a:p>
+        </p:txBody>
+      </p:sp>
+      <p:cxnSp>
+        <p:nvCxnSpPr>
+          <p:cNvPr id="16" name="Straight Connector 15"/>
+          <p:cNvCxnSpPr>
+            <a:stCxn id="14" idx="3"/>
+            <a:endCxn id="15" idx="1"/>
+          </p:cNvCxnSpPr>
+          <p:nvPr/>
+        </p:nvCxnSpPr>
+        <p:spPr>
+          <a:xfrm>
+            <a:off x="1674881" y="2986564"/>
+            <a:ext cx="520580" cy="0"/>
+          </a:xfrm>
+          <a:prstGeom prst="line">
+            <a:avLst/>
+          </a:prstGeom>
+        </p:spPr>
+        <p:style>
+          <a:lnRef idx="2">
+            <a:schemeClr val="dk1"/>
+          </a:lnRef>
+          <a:fillRef idx="0">
+            <a:schemeClr val="dk1"/>
+          </a:fillRef>
+          <a:effectRef idx="1">
+            <a:schemeClr val="dk1"/>
+          </a:effectRef>
+          <a:fontRef idx="minor">
+            <a:schemeClr val="tx1"/>
+          </a:fontRef>
+        </p:style>
+      </p:cxnSp>
+      <p:sp>
+        <p:nvSpPr>
+          <p:cNvPr id="18" name="Rectangle 17"/>
+          <p:cNvSpPr/>
+          <p:nvPr/>
+        </p:nvSpPr>
+        <p:spPr>
+          <a:xfrm>
+            <a:off x="1141481" y="3228832"/>
+            <a:ext cx="284052" cy="101600"/>
+          </a:xfrm>
+          <a:prstGeom prst="rect">
+            <a:avLst/>
+          </a:prstGeom>
+        </p:spPr>
+        <p:style>
+          <a:lnRef idx="1">
+            <a:schemeClr val="accent3"/>
+          </a:lnRef>
+          <a:fillRef idx="2">
+            <a:schemeClr val="accent3"/>
+          </a:fillRef>
+          <a:effectRef idx="1">
+            <a:schemeClr val="accent3"/>
+          </a:effectRef>
+          <a:fontRef idx="minor">
+            <a:schemeClr val="dk1"/>
+          </a:fontRef>
+        </p:style>
+        <p:txBody>
+          <a:bodyPr rtlCol="0" anchor="ctr"/>
+          <a:lstStyle/>
+          <a:p>
+            <a:pPr algn="ctr"/>
+            <a:endParaRPr lang="en-US"/>
+          </a:p>
+        </p:txBody>
+      </p:sp>
+      <p:sp>
+        <p:nvSpPr>
+          <p:cNvPr id="19" name="Rectangle 18"/>
+          <p:cNvSpPr/>
+          <p:nvPr/>
+        </p:nvSpPr>
+        <p:spPr>
+          <a:xfrm>
+            <a:off x="1674881" y="3228832"/>
+            <a:ext cx="244880" cy="101600"/>
+          </a:xfrm>
+          <a:prstGeom prst="rect">
+            <a:avLst/>
+          </a:prstGeom>
+        </p:spPr>
+        <p:style>
+          <a:lnRef idx="1">
+            <a:schemeClr val="accent3"/>
+          </a:lnRef>
+          <a:fillRef idx="2">
+            <a:schemeClr val="accent3"/>
+          </a:fillRef>
+          <a:effectRef idx="1">
+            <a:schemeClr val="accent3"/>
+          </a:effectRef>
+          <a:fontRef idx="minor">
+            <a:schemeClr val="dk1"/>
+          </a:fontRef>
+        </p:style>
+        <p:txBody>
+          <a:bodyPr rtlCol="0" anchor="ctr"/>
+          <a:lstStyle/>
+          <a:p>
+            <a:pPr algn="ctr"/>
+            <a:endParaRPr lang="en-US"/>
+          </a:p>
+        </p:txBody>
+      </p:sp>
+      <p:cxnSp>
+        <p:nvCxnSpPr>
+          <p:cNvPr id="20" name="Straight Connector 19"/>
+          <p:cNvCxnSpPr>
+            <a:stCxn id="18" idx="3"/>
+            <a:endCxn id="19" idx="1"/>
+          </p:cNvCxnSpPr>
+          <p:nvPr/>
+        </p:nvCxnSpPr>
+        <p:spPr>
+          <a:xfrm>
+            <a:off x="1425533" y="3279632"/>
+            <a:ext cx="249348" cy="0"/>
+          </a:xfrm>
+          <a:prstGeom prst="line">
+            <a:avLst/>
+          </a:prstGeom>
+        </p:spPr>
+        <p:style>
+          <a:lnRef idx="2">
+            <a:schemeClr val="dk1"/>
+          </a:lnRef>
+          <a:fillRef idx="0">
+            <a:schemeClr val="dk1"/>
+          </a:fillRef>
+          <a:effectRef idx="1">
+            <a:schemeClr val="dk1"/>
+          </a:effectRef>
+          <a:fontRef idx="minor">
+            <a:schemeClr val="tx1"/>
+          </a:fontRef>
+        </p:style>
+      </p:cxnSp>
+      <p:sp>
+        <p:nvSpPr>
+          <p:cNvPr id="21" name="Rectangle 20"/>
+          <p:cNvSpPr/>
+          <p:nvPr/>
+        </p:nvSpPr>
+        <p:spPr>
+          <a:xfrm>
+            <a:off x="1141481" y="3483399"/>
+            <a:ext cx="284052" cy="101600"/>
+          </a:xfrm>
+          <a:prstGeom prst="rect">
+            <a:avLst/>
+          </a:prstGeom>
+        </p:spPr>
+        <p:style>
+          <a:lnRef idx="1">
+            <a:schemeClr val="accent3"/>
+          </a:lnRef>
+          <a:fillRef idx="2">
+            <a:schemeClr val="accent3"/>
+          </a:fillRef>
+          <a:effectRef idx="1">
+            <a:schemeClr val="accent3"/>
+          </a:effectRef>
+          <a:fontRef idx="minor">
+            <a:schemeClr val="dk1"/>
+          </a:fontRef>
+        </p:style>
+        <p:txBody>
+          <a:bodyPr rtlCol="0" anchor="ctr"/>
+          <a:lstStyle/>
+          <a:p>
+            <a:pPr algn="ctr"/>
+            <a:endParaRPr lang="en-US"/>
+          </a:p>
+        </p:txBody>
+      </p:sp>
+      <p:sp>
+        <p:nvSpPr>
+          <p:cNvPr id="22" name="Rectangle 21"/>
+          <p:cNvSpPr/>
+          <p:nvPr/>
+        </p:nvSpPr>
+        <p:spPr>
+          <a:xfrm>
+            <a:off x="1674881" y="3483399"/>
+            <a:ext cx="244880" cy="101600"/>
+          </a:xfrm>
+          <a:prstGeom prst="rect">
+            <a:avLst/>
+          </a:prstGeom>
+        </p:spPr>
+        <p:style>
+          <a:lnRef idx="1">
+            <a:schemeClr val="accent3"/>
+          </a:lnRef>
+          <a:fillRef idx="2">
+            <a:schemeClr val="accent3"/>
+          </a:fillRef>
+          <a:effectRef idx="1">
+            <a:schemeClr val="accent3"/>
+          </a:effectRef>
+          <a:fontRef idx="minor">
+            <a:schemeClr val="dk1"/>
+          </a:fontRef>
+        </p:style>
+        <p:txBody>
+          <a:bodyPr rtlCol="0" anchor="ctr"/>
+          <a:lstStyle/>
+          <a:p>
+            <a:pPr algn="ctr"/>
+            <a:endParaRPr lang="en-US"/>
+          </a:p>
+        </p:txBody>
+      </p:sp>
+      <p:cxnSp>
+        <p:nvCxnSpPr>
+          <p:cNvPr id="23" name="Straight Connector 22"/>
+          <p:cNvCxnSpPr>
+            <a:stCxn id="21" idx="3"/>
+            <a:endCxn id="22" idx="1"/>
+          </p:cNvCxnSpPr>
+          <p:nvPr/>
+        </p:nvCxnSpPr>
+        <p:spPr>
+          <a:xfrm>
+            <a:off x="1425533" y="3534199"/>
+            <a:ext cx="249348" cy="0"/>
+          </a:xfrm>
+          <a:prstGeom prst="line">
+            <a:avLst/>
+          </a:prstGeom>
+        </p:spPr>
+        <p:style>
+          <a:lnRef idx="2">
+            <a:schemeClr val="dk1"/>
+          </a:lnRef>
+          <a:fillRef idx="0">
+            <a:schemeClr val="dk1"/>
+          </a:fillRef>
+          <a:effectRef idx="1">
+            <a:schemeClr val="dk1"/>
+          </a:effectRef>
+          <a:fontRef idx="minor">
+            <a:schemeClr val="tx1"/>
+          </a:fontRef>
+        </p:style>
+      </p:cxnSp>
+      <p:sp>
+        <p:nvSpPr>
+          <p:cNvPr id="29" name="Rectangle 28"/>
+          <p:cNvSpPr/>
+          <p:nvPr/>
+        </p:nvSpPr>
+        <p:spPr>
+          <a:xfrm>
+            <a:off x="2224561" y="3228832"/>
+            <a:ext cx="244880" cy="101600"/>
+          </a:xfrm>
+          <a:prstGeom prst="rect">
+            <a:avLst/>
+          </a:prstGeom>
+        </p:spPr>
+        <p:style>
+          <a:lnRef idx="1">
+            <a:schemeClr val="accent3"/>
+          </a:lnRef>
+          <a:fillRef idx="2">
+            <a:schemeClr val="accent3"/>
+          </a:fillRef>
+          <a:effectRef idx="1">
+            <a:schemeClr val="accent3"/>
+          </a:effectRef>
+          <a:fontRef idx="minor">
+            <a:schemeClr val="dk1"/>
+          </a:fontRef>
+        </p:style>
+        <p:txBody>
+          <a:bodyPr rtlCol="0" anchor="ctr"/>
+          <a:lstStyle/>
+          <a:p>
+            <a:pPr algn="ctr"/>
+            <a:endParaRPr lang="en-US"/>
+          </a:p>
+        </p:txBody>
+      </p:sp>
+      <p:cxnSp>
+        <p:nvCxnSpPr>
+          <p:cNvPr id="34" name="Straight Connector 33"/>
+          <p:cNvCxnSpPr>
+            <a:stCxn id="19" idx="3"/>
+            <a:endCxn id="29" idx="1"/>
+          </p:cNvCxnSpPr>
+          <p:nvPr/>
+        </p:nvCxnSpPr>
+        <p:spPr>
+          <a:xfrm>
+            <a:off x="1919761" y="3279632"/>
+            <a:ext cx="304800" cy="0"/>
+          </a:xfrm>
+          <a:prstGeom prst="line">
+            <a:avLst/>
+          </a:prstGeom>
+        </p:spPr>
+        <p:style>
+          <a:lnRef idx="2">
+            <a:schemeClr val="dk1"/>
+          </a:lnRef>
+          <a:fillRef idx="0">
+            <a:schemeClr val="dk1"/>
+          </a:fillRef>
+          <a:effectRef idx="1">
+            <a:schemeClr val="dk1"/>
+          </a:effectRef>
+          <a:fontRef idx="minor">
+            <a:schemeClr val="tx1"/>
+          </a:fontRef>
+        </p:style>
+      </p:cxnSp>
+      <p:sp>
+        <p:nvSpPr>
+          <p:cNvPr id="35" name="TextBox 34"/>
+          <p:cNvSpPr txBox="1"/>
+          <p:nvPr/>
+        </p:nvSpPr>
+        <p:spPr>
+          <a:xfrm>
+            <a:off x="418056" y="1985956"/>
+            <a:ext cx="723425" cy="1754327"/>
+          </a:xfrm>
+          <a:prstGeom prst="rect">
+            <a:avLst/>
+          </a:prstGeom>
+          <a:noFill/>
+        </p:spPr>
+        <p:txBody>
+          <a:bodyPr wrap="none" rtlCol="0">
+            <a:spAutoFit/>
+          </a:bodyPr>
+          <a:lstStyle/>
+          <a:p>
+            <a:pPr algn="ctr"/>
+            <a:r>
+              <a:rPr lang="en-US" b="1" dirty="0" smtClean="0">
+                <a:latin typeface="Arial"/>
+                <a:cs typeface="Arial"/>
+              </a:rPr>
+              <a:t>gene</a:t>
+            </a:r>
+          </a:p>
+          <a:p>
+            <a:pPr algn="ctr"/>
+            <a:r>
+              <a:rPr lang="en-US" b="1" dirty="0" smtClean="0">
+                <a:solidFill>
+                  <a:schemeClr val="accent4">
+                    <a:lumMod val="60000"/>
+                    <a:lumOff val="40000"/>
+                  </a:schemeClr>
+                </a:solidFill>
+                <a:latin typeface="Arial"/>
+                <a:cs typeface="Arial"/>
+              </a:rPr>
+              <a:t>A</a:t>
+            </a:r>
+          </a:p>
+          <a:p>
+            <a:pPr algn="ctr"/>
+            <a:r>
+              <a:rPr lang="en-US" b="1" dirty="0" smtClean="0">
+                <a:solidFill>
+                  <a:schemeClr val="accent6">
+                    <a:lumMod val="60000"/>
+                    <a:lumOff val="40000"/>
+                  </a:schemeClr>
+                </a:solidFill>
+                <a:latin typeface="Arial"/>
+                <a:cs typeface="Arial"/>
+              </a:rPr>
+              <a:t>B</a:t>
+            </a:r>
+          </a:p>
+          <a:p>
+            <a:pPr algn="ctr"/>
+            <a:r>
+              <a:rPr lang="en-US" b="1" dirty="0" smtClean="0">
+                <a:solidFill>
+                  <a:schemeClr val="accent6">
+                    <a:lumMod val="60000"/>
+                    <a:lumOff val="40000"/>
+                  </a:schemeClr>
+                </a:solidFill>
+                <a:latin typeface="Arial"/>
+                <a:cs typeface="Arial"/>
+              </a:rPr>
+              <a:t>B</a:t>
+            </a:r>
+            <a:endParaRPr lang="en-US" b="1" dirty="0">
+              <a:solidFill>
+                <a:schemeClr val="accent6">
+                  <a:lumMod val="60000"/>
+                  <a:lumOff val="40000"/>
+                </a:schemeClr>
+              </a:solidFill>
+              <a:latin typeface="Arial"/>
+              <a:cs typeface="Arial"/>
+            </a:endParaRPr>
+          </a:p>
+          <a:p>
+            <a:pPr algn="ctr"/>
+            <a:r>
+              <a:rPr lang="en-US" b="1" dirty="0" smtClean="0">
+                <a:solidFill>
+                  <a:schemeClr val="accent3">
+                    <a:lumMod val="60000"/>
+                    <a:lumOff val="40000"/>
+                  </a:schemeClr>
+                </a:solidFill>
+                <a:latin typeface="Arial"/>
+                <a:cs typeface="Arial"/>
+              </a:rPr>
+              <a:t>C</a:t>
+            </a:r>
+          </a:p>
+          <a:p>
+            <a:pPr algn="ctr"/>
+            <a:r>
+              <a:rPr lang="en-US" b="1" dirty="0">
+                <a:solidFill>
+                  <a:schemeClr val="accent3">
+                    <a:lumMod val="60000"/>
+                    <a:lumOff val="40000"/>
+                  </a:schemeClr>
+                </a:solidFill>
+                <a:latin typeface="Arial"/>
+                <a:cs typeface="Arial"/>
+              </a:rPr>
+              <a:t>C</a:t>
+            </a:r>
+          </a:p>
+        </p:txBody>
+      </p:sp>
+      <p:sp>
+        <p:nvSpPr>
+          <p:cNvPr id="36" name="TextBox 35"/>
+          <p:cNvSpPr txBox="1"/>
+          <p:nvPr/>
+        </p:nvSpPr>
+        <p:spPr>
+          <a:xfrm>
+            <a:off x="2462112" y="1643836"/>
+            <a:ext cx="1800718" cy="646331"/>
+          </a:xfrm>
+          <a:prstGeom prst="rect">
+            <a:avLst/>
+          </a:prstGeom>
+          <a:noFill/>
+        </p:spPr>
+        <p:txBody>
+          <a:bodyPr wrap="none" rtlCol="0">
+            <a:spAutoFit/>
+          </a:bodyPr>
+          <a:lstStyle/>
+          <a:p>
+            <a:pPr algn="ctr"/>
+            <a:r>
+              <a:rPr lang="en-US" b="1" dirty="0" err="1" smtClean="0">
+                <a:latin typeface="Arial"/>
+                <a:cs typeface="Arial"/>
+              </a:rPr>
+              <a:t>est</a:t>
+            </a:r>
+            <a:r>
+              <a:rPr lang="en-US" b="1" dirty="0" smtClean="0">
+                <a:latin typeface="Arial"/>
+                <a:cs typeface="Arial"/>
+              </a:rPr>
+              <a:t> </a:t>
+            </a:r>
+            <a:r>
+              <a:rPr lang="en-US" b="1" dirty="0" err="1" smtClean="0">
+                <a:latin typeface="Arial"/>
+                <a:cs typeface="Arial"/>
+              </a:rPr>
+              <a:t>tx</a:t>
+            </a:r>
+            <a:r>
+              <a:rPr lang="en-US" b="1" dirty="0" smtClean="0">
+                <a:latin typeface="Arial"/>
+                <a:cs typeface="Arial"/>
+              </a:rPr>
+              <a:t> counts:</a:t>
+            </a:r>
+          </a:p>
+          <a:p>
+            <a:pPr algn="ctr"/>
+            <a:r>
+              <a:rPr lang="en-US" b="1" dirty="0" smtClean="0">
+                <a:solidFill>
+                  <a:schemeClr val="accent1">
+                    <a:lumMod val="60000"/>
+                    <a:lumOff val="40000"/>
+                  </a:schemeClr>
+                </a:solidFill>
+                <a:latin typeface="Arial"/>
+                <a:cs typeface="Arial"/>
+              </a:rPr>
+              <a:t>control</a:t>
+            </a:r>
+            <a:r>
+              <a:rPr lang="en-US" b="1" dirty="0" smtClean="0">
+                <a:latin typeface="Arial"/>
+                <a:cs typeface="Arial"/>
+              </a:rPr>
+              <a:t> </a:t>
+            </a:r>
+            <a:r>
+              <a:rPr lang="en-US" b="1" dirty="0" smtClean="0">
+                <a:solidFill>
+                  <a:schemeClr val="accent2">
+                    <a:lumMod val="60000"/>
+                    <a:lumOff val="40000"/>
+                  </a:schemeClr>
+                </a:solidFill>
+                <a:latin typeface="Arial"/>
+                <a:cs typeface="Arial"/>
+              </a:rPr>
+              <a:t>treated</a:t>
+            </a:r>
+          </a:p>
+        </p:txBody>
+      </p:sp>
+      <p:sp>
+        <p:nvSpPr>
+          <p:cNvPr id="39" name="Oval 38"/>
+          <p:cNvSpPr/>
+          <p:nvPr/>
+        </p:nvSpPr>
+        <p:spPr>
+          <a:xfrm>
+            <a:off x="3149662" y="2386886"/>
+            <a:ext cx="64687" cy="64687"/>
+          </a:xfrm>
+          <a:prstGeom prst="ellipse">
+            <a:avLst/>
+          </a:prstGeom>
+        </p:spPr>
+        <p:style>
+          <a:lnRef idx="1">
+            <a:schemeClr val="accent1"/>
+          </a:lnRef>
+          <a:fillRef idx="2">
+            <a:schemeClr val="accent1"/>
+          </a:fillRef>
+          <a:effectRef idx="1">
+            <a:schemeClr val="accent1"/>
+          </a:effectRef>
+          <a:fontRef idx="minor">
+            <a:schemeClr val="dk1"/>
+          </a:fontRef>
+        </p:style>
+        <p:txBody>
+          <a:bodyPr rtlCol="0" anchor="ctr"/>
+          <a:lstStyle/>
+          <a:p>
+            <a:pPr algn="ctr"/>
+            <a:endParaRPr lang="en-US"/>
+          </a:p>
+        </p:txBody>
+      </p:sp>
+      <p:sp>
+        <p:nvSpPr>
+          <p:cNvPr id="40" name="Oval 39"/>
+          <p:cNvSpPr/>
+          <p:nvPr/>
+        </p:nvSpPr>
+        <p:spPr>
+          <a:xfrm>
+            <a:off x="3405829" y="2312947"/>
+            <a:ext cx="212972" cy="212972"/>
+          </a:xfrm>
+          <a:prstGeom prst="ellipse">
+            <a:avLst/>
+          </a:prstGeom>
+        </p:spPr>
+        <p:style>
+          <a:lnRef idx="1">
+            <a:schemeClr val="accent2"/>
+          </a:lnRef>
+          <a:fillRef idx="2">
+            <a:schemeClr val="accent2"/>
+          </a:fillRef>
+          <a:effectRef idx="1">
+            <a:schemeClr val="accent2"/>
+          </a:effectRef>
+          <a:fontRef idx="minor">
+            <a:schemeClr val="dk1"/>
+          </a:fontRef>
+        </p:style>
+        <p:txBody>
+          <a:bodyPr rtlCol="0" anchor="ctr"/>
+          <a:lstStyle/>
+          <a:p>
+            <a:pPr algn="ctr"/>
+            <a:endParaRPr lang="en-US"/>
+          </a:p>
+        </p:txBody>
+      </p:sp>
+      <p:sp>
+        <p:nvSpPr>
+          <p:cNvPr id="41" name="Oval 40"/>
+          <p:cNvSpPr/>
+          <p:nvPr/>
+        </p:nvSpPr>
+        <p:spPr>
+          <a:xfrm>
+            <a:off x="3688379" y="2312947"/>
+            <a:ext cx="212972" cy="212972"/>
+          </a:xfrm>
+          <a:prstGeom prst="ellipse">
+            <a:avLst/>
+          </a:prstGeom>
+        </p:spPr>
+        <p:style>
+          <a:lnRef idx="1">
+            <a:schemeClr val="accent2"/>
+          </a:lnRef>
+          <a:fillRef idx="2">
+            <a:schemeClr val="accent2"/>
+          </a:fillRef>
+          <a:effectRef idx="1">
+            <a:schemeClr val="accent2"/>
+          </a:effectRef>
+          <a:fontRef idx="minor">
+            <a:schemeClr val="dk1"/>
+          </a:fontRef>
+        </p:style>
+        <p:txBody>
+          <a:bodyPr rtlCol="0" anchor="ctr"/>
+          <a:lstStyle/>
+          <a:p>
+            <a:pPr algn="ctr"/>
+            <a:endParaRPr lang="en-US"/>
+          </a:p>
+        </p:txBody>
+      </p:sp>
+      <p:sp>
+        <p:nvSpPr>
+          <p:cNvPr id="42" name="Oval 41"/>
+          <p:cNvSpPr/>
+          <p:nvPr/>
+        </p:nvSpPr>
+        <p:spPr>
+          <a:xfrm>
+            <a:off x="3968398" y="2312947"/>
+            <a:ext cx="212972" cy="212972"/>
+          </a:xfrm>
+          <a:prstGeom prst="ellipse">
+            <a:avLst/>
+          </a:prstGeom>
+        </p:spPr>
+        <p:style>
+          <a:lnRef idx="1">
+            <a:schemeClr val="accent2"/>
+          </a:lnRef>
+          <a:fillRef idx="2">
+            <a:schemeClr val="accent2"/>
+          </a:fillRef>
+          <a:effectRef idx="1">
+            <a:schemeClr val="accent2"/>
+          </a:effectRef>
+          <a:fontRef idx="minor">
+            <a:schemeClr val="dk1"/>
+          </a:fontRef>
+        </p:style>
+        <p:txBody>
+          <a:bodyPr rtlCol="0" anchor="ctr"/>
+          <a:lstStyle/>
+          <a:p>
+            <a:pPr algn="ctr"/>
+            <a:endParaRPr lang="en-US"/>
+          </a:p>
+        </p:txBody>
+      </p:sp>
+      <p:sp>
+        <p:nvSpPr>
+          <p:cNvPr id="43" name="Oval 42"/>
+          <p:cNvSpPr/>
+          <p:nvPr/>
+        </p:nvSpPr>
+        <p:spPr>
+          <a:xfrm>
+            <a:off x="2874834" y="2389728"/>
+            <a:ext cx="64687" cy="64687"/>
+          </a:xfrm>
+          <a:prstGeom prst="ellipse">
+            <a:avLst/>
+          </a:prstGeom>
+        </p:spPr>
+        <p:style>
+          <a:lnRef idx="1">
+            <a:schemeClr val="accent1"/>
+          </a:lnRef>
+          <a:fillRef idx="2">
+            <a:schemeClr val="accent1"/>
+          </a:fillRef>
+          <a:effectRef idx="1">
+            <a:schemeClr val="accent1"/>
+          </a:effectRef>
+          <a:fontRef idx="minor">
+            <a:schemeClr val="dk1"/>
+          </a:fontRef>
+        </p:style>
+        <p:txBody>
+          <a:bodyPr rtlCol="0" anchor="ctr"/>
+          <a:lstStyle/>
+          <a:p>
+            <a:pPr algn="ctr"/>
+            <a:endParaRPr lang="en-US"/>
+          </a:p>
+        </p:txBody>
+      </p:sp>
+      <p:sp>
+        <p:nvSpPr>
+          <p:cNvPr id="44" name="Oval 43"/>
+          <p:cNvSpPr/>
+          <p:nvPr/>
+        </p:nvSpPr>
+        <p:spPr>
+          <a:xfrm>
+            <a:off x="2605086" y="2389728"/>
+            <a:ext cx="64687" cy="64687"/>
+          </a:xfrm>
+          <a:prstGeom prst="ellipse">
+            <a:avLst/>
+          </a:prstGeom>
+        </p:spPr>
+        <p:style>
+          <a:lnRef idx="1">
+            <a:schemeClr val="accent1"/>
+          </a:lnRef>
+          <a:fillRef idx="2">
+            <a:schemeClr val="accent1"/>
+          </a:fillRef>
+          <a:effectRef idx="1">
+            <a:schemeClr val="accent1"/>
+          </a:effectRef>
+          <a:fontRef idx="minor">
+            <a:schemeClr val="dk1"/>
+          </a:fontRef>
+        </p:style>
+        <p:txBody>
+          <a:bodyPr rtlCol="0" anchor="ctr"/>
+          <a:lstStyle/>
+          <a:p>
+            <a:pPr algn="ctr"/>
+            <a:endParaRPr lang="en-US"/>
+          </a:p>
+        </p:txBody>
+      </p:sp>
+      <p:sp>
+        <p:nvSpPr>
+          <p:cNvPr id="51" name="Oval 50"/>
+          <p:cNvSpPr/>
+          <p:nvPr/>
+        </p:nvSpPr>
+        <p:spPr>
+          <a:xfrm>
+            <a:off x="3149662" y="2677436"/>
+            <a:ext cx="64687" cy="64687"/>
+          </a:xfrm>
+          <a:prstGeom prst="ellipse">
+            <a:avLst/>
+          </a:prstGeom>
+        </p:spPr>
+        <p:style>
+          <a:lnRef idx="1">
+            <a:schemeClr val="accent1"/>
+          </a:lnRef>
+          <a:fillRef idx="2">
+            <a:schemeClr val="accent1"/>
+          </a:fillRef>
+          <a:effectRef idx="1">
+            <a:schemeClr val="accent1"/>
+          </a:effectRef>
+          <a:fontRef idx="minor">
+            <a:schemeClr val="dk1"/>
+          </a:fontRef>
+        </p:style>
+        <p:txBody>
+          <a:bodyPr rtlCol="0" anchor="ctr"/>
+          <a:lstStyle/>
+          <a:p>
+            <a:pPr algn="ctr"/>
+            <a:endParaRPr lang="en-US"/>
+          </a:p>
+        </p:txBody>
+      </p:sp>
+      <p:sp>
+        <p:nvSpPr>
+          <p:cNvPr id="52" name="Oval 51"/>
+          <p:cNvSpPr/>
+          <p:nvPr/>
+        </p:nvSpPr>
+        <p:spPr>
+          <a:xfrm>
+            <a:off x="3405829" y="2886228"/>
+            <a:ext cx="212972" cy="212972"/>
+          </a:xfrm>
+          <a:prstGeom prst="ellipse">
+            <a:avLst/>
+          </a:prstGeom>
+        </p:spPr>
+        <p:style>
+          <a:lnRef idx="1">
+            <a:schemeClr val="accent2"/>
+          </a:lnRef>
+          <a:fillRef idx="2">
+            <a:schemeClr val="accent2"/>
+          </a:fillRef>
+          <a:effectRef idx="1">
+            <a:schemeClr val="accent2"/>
+          </a:effectRef>
+          <a:fontRef idx="minor">
+            <a:schemeClr val="dk1"/>
+          </a:fontRef>
+        </p:style>
+        <p:txBody>
+          <a:bodyPr rtlCol="0" anchor="ctr"/>
+          <a:lstStyle/>
+          <a:p>
+            <a:pPr algn="ctr"/>
+            <a:endParaRPr lang="en-US"/>
+          </a:p>
+        </p:txBody>
+      </p:sp>
+      <p:sp>
+        <p:nvSpPr>
+          <p:cNvPr id="53" name="Oval 52"/>
+          <p:cNvSpPr/>
+          <p:nvPr/>
+        </p:nvSpPr>
+        <p:spPr>
+          <a:xfrm>
+            <a:off x="3688379" y="2886228"/>
+            <a:ext cx="212972" cy="212972"/>
+          </a:xfrm>
+          <a:prstGeom prst="ellipse">
+            <a:avLst/>
+          </a:prstGeom>
+        </p:spPr>
+        <p:style>
+          <a:lnRef idx="1">
+            <a:schemeClr val="accent2"/>
+          </a:lnRef>
+          <a:fillRef idx="2">
+            <a:schemeClr val="accent2"/>
+          </a:fillRef>
+          <a:effectRef idx="1">
+            <a:schemeClr val="accent2"/>
+          </a:effectRef>
+          <a:fontRef idx="minor">
+            <a:schemeClr val="dk1"/>
+          </a:fontRef>
+        </p:style>
+        <p:txBody>
+          <a:bodyPr rtlCol="0" anchor="ctr"/>
+          <a:lstStyle/>
+          <a:p>
+            <a:pPr algn="ctr"/>
+            <a:endParaRPr lang="en-US"/>
+          </a:p>
+        </p:txBody>
+      </p:sp>
+      <p:sp>
+        <p:nvSpPr>
+          <p:cNvPr id="54" name="Oval 53"/>
+          <p:cNvSpPr/>
+          <p:nvPr/>
+        </p:nvSpPr>
+        <p:spPr>
+          <a:xfrm>
+            <a:off x="3968398" y="2886228"/>
+            <a:ext cx="212972" cy="212972"/>
+          </a:xfrm>
+          <a:prstGeom prst="ellipse">
+            <a:avLst/>
+          </a:prstGeom>
+        </p:spPr>
+        <p:style>
+          <a:lnRef idx="1">
+            <a:schemeClr val="accent2"/>
+          </a:lnRef>
+          <a:fillRef idx="2">
+            <a:schemeClr val="accent2"/>
+          </a:fillRef>
+          <a:effectRef idx="1">
+            <a:schemeClr val="accent2"/>
+          </a:effectRef>
+          <a:fontRef idx="minor">
+            <a:schemeClr val="dk1"/>
+          </a:fontRef>
+        </p:style>
+        <p:txBody>
+          <a:bodyPr rtlCol="0" anchor="ctr"/>
+          <a:lstStyle/>
+          <a:p>
+            <a:pPr algn="ctr"/>
+            <a:endParaRPr lang="en-US"/>
+          </a:p>
+        </p:txBody>
+      </p:sp>
+      <p:sp>
+        <p:nvSpPr>
+          <p:cNvPr id="55" name="Oval 54"/>
+          <p:cNvSpPr/>
+          <p:nvPr/>
+        </p:nvSpPr>
+        <p:spPr>
+          <a:xfrm>
+            <a:off x="2874834" y="2680278"/>
+            <a:ext cx="64687" cy="64687"/>
+          </a:xfrm>
+          <a:prstGeom prst="ellipse">
+            <a:avLst/>
+          </a:prstGeom>
+        </p:spPr>
+        <p:style>
+          <a:lnRef idx="1">
+            <a:schemeClr val="accent1"/>
+          </a:lnRef>
+          <a:fillRef idx="2">
+            <a:schemeClr val="accent1"/>
+          </a:fillRef>
+          <a:effectRef idx="1">
+            <a:schemeClr val="accent1"/>
+          </a:effectRef>
+          <a:fontRef idx="minor">
+            <a:schemeClr val="dk1"/>
+          </a:fontRef>
+        </p:style>
+        <p:txBody>
+          <a:bodyPr rtlCol="0" anchor="ctr"/>
+          <a:lstStyle/>
+          <a:p>
+            <a:pPr algn="ctr"/>
+            <a:endParaRPr lang="en-US"/>
+          </a:p>
+        </p:txBody>
+      </p:sp>
+      <p:sp>
+        <p:nvSpPr>
+          <p:cNvPr id="56" name="Oval 55"/>
+          <p:cNvSpPr/>
+          <p:nvPr/>
+        </p:nvSpPr>
+        <p:spPr>
+          <a:xfrm>
+            <a:off x="2605086" y="2680278"/>
+            <a:ext cx="64687" cy="64687"/>
+          </a:xfrm>
+          <a:prstGeom prst="ellipse">
+            <a:avLst/>
+          </a:prstGeom>
+        </p:spPr>
+        <p:style>
+          <a:lnRef idx="1">
+            <a:schemeClr val="accent1"/>
+          </a:lnRef>
+          <a:fillRef idx="2">
+            <a:schemeClr val="accent1"/>
+          </a:fillRef>
+          <a:effectRef idx="1">
+            <a:schemeClr val="accent1"/>
+          </a:effectRef>
+          <a:fontRef idx="minor">
+            <a:schemeClr val="dk1"/>
+          </a:fontRef>
+        </p:style>
+        <p:txBody>
+          <a:bodyPr rtlCol="0" anchor="ctr"/>
+          <a:lstStyle/>
+          <a:p>
+            <a:pPr algn="ctr"/>
+            <a:endParaRPr lang="en-US"/>
+          </a:p>
+        </p:txBody>
+      </p:sp>
+      <p:sp>
+        <p:nvSpPr>
+          <p:cNvPr id="57" name="Oval 56"/>
+          <p:cNvSpPr/>
+          <p:nvPr/>
+        </p:nvSpPr>
+        <p:spPr>
+          <a:xfrm>
+            <a:off x="3149662" y="2948777"/>
+            <a:ext cx="64687" cy="64687"/>
+          </a:xfrm>
+          <a:prstGeom prst="ellipse">
+            <a:avLst/>
+          </a:prstGeom>
+        </p:spPr>
+        <p:style>
+          <a:lnRef idx="1">
+            <a:schemeClr val="accent1"/>
+          </a:lnRef>
+          <a:fillRef idx="2">
+            <a:schemeClr val="accent1"/>
+          </a:fillRef>
+          <a:effectRef idx="1">
+            <a:schemeClr val="accent1"/>
+          </a:effectRef>
+          <a:fontRef idx="minor">
+            <a:schemeClr val="dk1"/>
+          </a:fontRef>
+        </p:style>
+        <p:txBody>
+          <a:bodyPr rtlCol="0" anchor="ctr"/>
+          <a:lstStyle/>
+          <a:p>
+            <a:pPr algn="ctr"/>
+            <a:endParaRPr lang="en-US"/>
+          </a:p>
+        </p:txBody>
+      </p:sp>
+      <p:sp>
+        <p:nvSpPr>
+          <p:cNvPr id="61" name="Oval 60"/>
+          <p:cNvSpPr/>
+          <p:nvPr/>
+        </p:nvSpPr>
+        <p:spPr>
+          <a:xfrm>
+            <a:off x="2874834" y="2951619"/>
+            <a:ext cx="64687" cy="64687"/>
+          </a:xfrm>
+          <a:prstGeom prst="ellipse">
+            <a:avLst/>
+          </a:prstGeom>
+        </p:spPr>
+        <p:style>
+          <a:lnRef idx="1">
+            <a:schemeClr val="accent1"/>
+          </a:lnRef>
+          <a:fillRef idx="2">
+            <a:schemeClr val="accent1"/>
+          </a:fillRef>
+          <a:effectRef idx="1">
+            <a:schemeClr val="accent1"/>
+          </a:effectRef>
+          <a:fontRef idx="minor">
+            <a:schemeClr val="dk1"/>
+          </a:fontRef>
+        </p:style>
+        <p:txBody>
+          <a:bodyPr rtlCol="0" anchor="ctr"/>
+          <a:lstStyle/>
+          <a:p>
+            <a:pPr algn="ctr"/>
+            <a:endParaRPr lang="en-US"/>
+          </a:p>
+        </p:txBody>
+      </p:sp>
+      <p:sp>
+        <p:nvSpPr>
+          <p:cNvPr id="62" name="Oval 61"/>
+          <p:cNvSpPr/>
+          <p:nvPr/>
+        </p:nvSpPr>
+        <p:spPr>
+          <a:xfrm>
+            <a:off x="2605086" y="2951619"/>
+            <a:ext cx="64687" cy="64687"/>
+          </a:xfrm>
+          <a:prstGeom prst="ellipse">
+            <a:avLst/>
+          </a:prstGeom>
+        </p:spPr>
+        <p:style>
+          <a:lnRef idx="1">
+            <a:schemeClr val="accent1"/>
+          </a:lnRef>
+          <a:fillRef idx="2">
+            <a:schemeClr val="accent1"/>
+          </a:fillRef>
+          <a:effectRef idx="1">
+            <a:schemeClr val="accent1"/>
+          </a:effectRef>
+          <a:fontRef idx="minor">
+            <a:schemeClr val="dk1"/>
+          </a:fontRef>
+        </p:style>
+        <p:txBody>
+          <a:bodyPr rtlCol="0" anchor="ctr"/>
+          <a:lstStyle/>
+          <a:p>
+            <a:pPr algn="ctr"/>
+            <a:endParaRPr lang="en-US"/>
+          </a:p>
+        </p:txBody>
+      </p:sp>
+      <p:sp>
+        <p:nvSpPr>
+          <p:cNvPr id="63" name="Oval 62"/>
+          <p:cNvSpPr/>
+          <p:nvPr/>
+        </p:nvSpPr>
+        <p:spPr>
+          <a:xfrm>
+            <a:off x="4054138" y="2678935"/>
+            <a:ext cx="64687" cy="64687"/>
+          </a:xfrm>
+          <a:prstGeom prst="ellipse">
+            <a:avLst/>
+          </a:prstGeom>
+        </p:spPr>
+        <p:style>
+          <a:lnRef idx="1">
+            <a:schemeClr val="accent2"/>
+          </a:lnRef>
+          <a:fillRef idx="2">
+            <a:schemeClr val="accent2"/>
+          </a:fillRef>
+          <a:effectRef idx="1">
+            <a:schemeClr val="accent2"/>
+          </a:effectRef>
+          <a:fontRef idx="minor">
+            <a:schemeClr val="dk1"/>
+          </a:fontRef>
+        </p:style>
+        <p:txBody>
+          <a:bodyPr rtlCol="0" anchor="ctr"/>
+          <a:lstStyle/>
+          <a:p>
+            <a:pPr algn="ctr"/>
+            <a:endParaRPr lang="en-US"/>
+          </a:p>
+        </p:txBody>
+      </p:sp>
+      <p:sp>
+        <p:nvSpPr>
+          <p:cNvPr id="64" name="Oval 63"/>
+          <p:cNvSpPr/>
+          <p:nvPr/>
+        </p:nvSpPr>
+        <p:spPr>
+          <a:xfrm>
+            <a:off x="3776181" y="2682687"/>
+            <a:ext cx="64687" cy="64687"/>
+          </a:xfrm>
+          <a:prstGeom prst="ellipse">
+            <a:avLst/>
+          </a:prstGeom>
+        </p:spPr>
+        <p:style>
+          <a:lnRef idx="1">
+            <a:schemeClr val="accent2"/>
+          </a:lnRef>
+          <a:fillRef idx="2">
+            <a:schemeClr val="accent2"/>
+          </a:fillRef>
+          <a:effectRef idx="1">
+            <a:schemeClr val="accent2"/>
+          </a:effectRef>
+          <a:fontRef idx="minor">
+            <a:schemeClr val="dk1"/>
+          </a:fontRef>
+        </p:style>
+        <p:txBody>
+          <a:bodyPr rtlCol="0" anchor="ctr"/>
+          <a:lstStyle/>
+          <a:p>
+            <a:pPr algn="ctr"/>
+            <a:endParaRPr lang="en-US"/>
+          </a:p>
+        </p:txBody>
+      </p:sp>
+      <p:sp>
+        <p:nvSpPr>
+          <p:cNvPr id="65" name="Oval 64"/>
+          <p:cNvSpPr/>
+          <p:nvPr/>
+        </p:nvSpPr>
+        <p:spPr>
+          <a:xfrm>
+            <a:off x="3490976" y="2682687"/>
+            <a:ext cx="64687" cy="64687"/>
+          </a:xfrm>
+          <a:prstGeom prst="ellipse">
+            <a:avLst/>
+          </a:prstGeom>
+        </p:spPr>
+        <p:style>
+          <a:lnRef idx="1">
+            <a:schemeClr val="accent2"/>
+          </a:lnRef>
+          <a:fillRef idx="2">
+            <a:schemeClr val="accent2"/>
+          </a:fillRef>
+          <a:effectRef idx="1">
+            <a:schemeClr val="accent2"/>
+          </a:effectRef>
+          <a:fontRef idx="minor">
+            <a:schemeClr val="dk1"/>
+          </a:fontRef>
+        </p:style>
+        <p:txBody>
+          <a:bodyPr rtlCol="0" anchor="ctr"/>
+          <a:lstStyle/>
+          <a:p>
+            <a:pPr algn="ctr"/>
+            <a:endParaRPr lang="en-US"/>
+          </a:p>
+        </p:txBody>
+      </p:sp>
+      <p:sp>
+        <p:nvSpPr>
+          <p:cNvPr id="74" name="Oval 73"/>
+          <p:cNvSpPr/>
+          <p:nvPr/>
+        </p:nvSpPr>
+        <p:spPr>
+          <a:xfrm>
+            <a:off x="2528337" y="3173146"/>
+            <a:ext cx="212972" cy="212972"/>
+          </a:xfrm>
+          <a:prstGeom prst="ellipse">
+            <a:avLst/>
+          </a:prstGeom>
+        </p:spPr>
+        <p:style>
+          <a:lnRef idx="1">
+            <a:schemeClr val="accent1"/>
+          </a:lnRef>
+          <a:fillRef idx="2">
+            <a:schemeClr val="accent1"/>
+          </a:fillRef>
+          <a:effectRef idx="1">
+            <a:schemeClr val="accent1"/>
+          </a:effectRef>
+          <a:fontRef idx="minor">
+            <a:schemeClr val="dk1"/>
+          </a:fontRef>
+        </p:style>
+        <p:txBody>
+          <a:bodyPr rtlCol="0" anchor="ctr"/>
+          <a:lstStyle/>
+          <a:p>
+            <a:pPr algn="ctr"/>
+            <a:endParaRPr lang="en-US"/>
+          </a:p>
+        </p:txBody>
+      </p:sp>
+      <p:sp>
+        <p:nvSpPr>
+          <p:cNvPr id="75" name="Oval 74"/>
+          <p:cNvSpPr/>
+          <p:nvPr/>
+        </p:nvSpPr>
+        <p:spPr>
+          <a:xfrm>
+            <a:off x="2810887" y="3173146"/>
+            <a:ext cx="212972" cy="212972"/>
+          </a:xfrm>
+          <a:prstGeom prst="ellipse">
+            <a:avLst/>
+          </a:prstGeom>
+        </p:spPr>
+        <p:style>
+          <a:lnRef idx="1">
+            <a:schemeClr val="accent1"/>
+          </a:lnRef>
+          <a:fillRef idx="2">
+            <a:schemeClr val="accent1"/>
+          </a:fillRef>
+          <a:effectRef idx="1">
+            <a:schemeClr val="accent1"/>
+          </a:effectRef>
+          <a:fontRef idx="minor">
+            <a:schemeClr val="dk1"/>
+          </a:fontRef>
+        </p:style>
+        <p:txBody>
+          <a:bodyPr rtlCol="0" anchor="ctr"/>
+          <a:lstStyle/>
+          <a:p>
+            <a:pPr algn="ctr"/>
+            <a:endParaRPr lang="en-US"/>
+          </a:p>
+        </p:txBody>
+      </p:sp>
+      <p:sp>
+        <p:nvSpPr>
+          <p:cNvPr id="76" name="Oval 75"/>
+          <p:cNvSpPr/>
+          <p:nvPr/>
+        </p:nvSpPr>
+        <p:spPr>
+          <a:xfrm>
+            <a:off x="3090906" y="3173146"/>
+            <a:ext cx="212972" cy="212972"/>
+          </a:xfrm>
+          <a:prstGeom prst="ellipse">
+            <a:avLst/>
+          </a:prstGeom>
+        </p:spPr>
+        <p:style>
+          <a:lnRef idx="1">
+            <a:schemeClr val="accent1"/>
+          </a:lnRef>
+          <a:fillRef idx="2">
+            <a:schemeClr val="accent1"/>
+          </a:fillRef>
+          <a:effectRef idx="1">
+            <a:schemeClr val="accent1"/>
+          </a:effectRef>
+          <a:fontRef idx="minor">
+            <a:schemeClr val="dk1"/>
+          </a:fontRef>
+        </p:style>
+        <p:txBody>
+          <a:bodyPr rtlCol="0" anchor="ctr"/>
+          <a:lstStyle/>
+          <a:p>
+            <a:pPr algn="ctr"/>
+            <a:endParaRPr lang="en-US"/>
+          </a:p>
+        </p:txBody>
+      </p:sp>
+      <p:sp>
+        <p:nvSpPr>
+          <p:cNvPr id="77" name="Oval 76"/>
+          <p:cNvSpPr/>
+          <p:nvPr/>
+        </p:nvSpPr>
+        <p:spPr>
+          <a:xfrm>
+            <a:off x="4054138" y="3248309"/>
+            <a:ext cx="64687" cy="64687"/>
+          </a:xfrm>
+          <a:prstGeom prst="ellipse">
+            <a:avLst/>
+          </a:prstGeom>
+        </p:spPr>
+        <p:style>
+          <a:lnRef idx="1">
+            <a:schemeClr val="accent2"/>
+          </a:lnRef>
+          <a:fillRef idx="2">
+            <a:schemeClr val="accent2"/>
+          </a:fillRef>
+          <a:effectRef idx="1">
+            <a:schemeClr val="accent2"/>
+          </a:effectRef>
+          <a:fontRef idx="minor">
+            <a:schemeClr val="dk1"/>
+          </a:fontRef>
+        </p:style>
+        <p:txBody>
+          <a:bodyPr rtlCol="0" anchor="ctr"/>
+          <a:lstStyle/>
+          <a:p>
+            <a:pPr algn="ctr"/>
+            <a:endParaRPr lang="en-US"/>
+          </a:p>
+        </p:txBody>
+      </p:sp>
+      <p:sp>
+        <p:nvSpPr>
+          <p:cNvPr id="78" name="Oval 77"/>
+          <p:cNvSpPr/>
+          <p:nvPr/>
+        </p:nvSpPr>
+        <p:spPr>
+          <a:xfrm>
+            <a:off x="3776181" y="3252061"/>
+            <a:ext cx="64687" cy="64687"/>
+          </a:xfrm>
+          <a:prstGeom prst="ellipse">
+            <a:avLst/>
+          </a:prstGeom>
+        </p:spPr>
+        <p:style>
+          <a:lnRef idx="1">
+            <a:schemeClr val="accent2"/>
+          </a:lnRef>
+          <a:fillRef idx="2">
+            <a:schemeClr val="accent2"/>
+          </a:fillRef>
+          <a:effectRef idx="1">
+            <a:schemeClr val="accent2"/>
+          </a:effectRef>
+          <a:fontRef idx="minor">
+            <a:schemeClr val="dk1"/>
+          </a:fontRef>
+        </p:style>
+        <p:txBody>
+          <a:bodyPr rtlCol="0" anchor="ctr"/>
+          <a:lstStyle/>
+          <a:p>
+            <a:pPr algn="ctr"/>
+            <a:endParaRPr lang="en-US"/>
+          </a:p>
+        </p:txBody>
+      </p:sp>
+      <p:sp>
+        <p:nvSpPr>
+          <p:cNvPr id="79" name="Oval 78"/>
+          <p:cNvSpPr/>
+          <p:nvPr/>
+        </p:nvSpPr>
+        <p:spPr>
+          <a:xfrm>
+            <a:off x="3490976" y="3252061"/>
+            <a:ext cx="64687" cy="64687"/>
+          </a:xfrm>
+          <a:prstGeom prst="ellipse">
+            <a:avLst/>
+          </a:prstGeom>
+        </p:spPr>
+        <p:style>
+          <a:lnRef idx="1">
+            <a:schemeClr val="accent2"/>
+          </a:lnRef>
+          <a:fillRef idx="2">
+            <a:schemeClr val="accent2"/>
+          </a:fillRef>
+          <a:effectRef idx="1">
+            <a:schemeClr val="accent2"/>
+          </a:effectRef>
+          <a:fontRef idx="minor">
+            <a:schemeClr val="dk1"/>
+          </a:fontRef>
+        </p:style>
+        <p:txBody>
+          <a:bodyPr rtlCol="0" anchor="ctr"/>
+          <a:lstStyle/>
+          <a:p>
+            <a:pPr algn="ctr"/>
+            <a:endParaRPr lang="en-US"/>
+          </a:p>
+        </p:txBody>
+      </p:sp>
+      <p:sp>
+        <p:nvSpPr>
+          <p:cNvPr id="80" name="Oval 79"/>
+          <p:cNvSpPr/>
+          <p:nvPr/>
+        </p:nvSpPr>
+        <p:spPr>
+          <a:xfrm>
+            <a:off x="3149662" y="3501652"/>
+            <a:ext cx="64687" cy="64687"/>
+          </a:xfrm>
+          <a:prstGeom prst="ellipse">
+            <a:avLst/>
+          </a:prstGeom>
+        </p:spPr>
+        <p:style>
+          <a:lnRef idx="1">
+            <a:schemeClr val="accent1"/>
+          </a:lnRef>
+          <a:fillRef idx="2">
+            <a:schemeClr val="accent1"/>
+          </a:fillRef>
+          <a:effectRef idx="1">
+            <a:schemeClr val="accent1"/>
+          </a:effectRef>
+          <a:fontRef idx="minor">
+            <a:schemeClr val="dk1"/>
+          </a:fontRef>
+        </p:style>
+        <p:txBody>
+          <a:bodyPr rtlCol="0" anchor="ctr"/>
+          <a:lstStyle/>
+          <a:p>
+            <a:pPr algn="ctr"/>
+            <a:endParaRPr lang="en-US"/>
+          </a:p>
+        </p:txBody>
+      </p:sp>
+      <p:sp>
+        <p:nvSpPr>
+          <p:cNvPr id="81" name="Oval 80"/>
+          <p:cNvSpPr/>
+          <p:nvPr/>
+        </p:nvSpPr>
+        <p:spPr>
+          <a:xfrm>
+            <a:off x="3405829" y="3427713"/>
+            <a:ext cx="212972" cy="212972"/>
+          </a:xfrm>
+          <a:prstGeom prst="ellipse">
+            <a:avLst/>
+          </a:prstGeom>
+        </p:spPr>
+        <p:style>
+          <a:lnRef idx="1">
+            <a:schemeClr val="accent2"/>
+          </a:lnRef>
+          <a:fillRef idx="2">
+            <a:schemeClr val="accent2"/>
+          </a:fillRef>
+          <a:effectRef idx="1">
+            <a:schemeClr val="accent2"/>
+          </a:effectRef>
+          <a:fontRef idx="minor">
+            <a:schemeClr val="dk1"/>
+          </a:fontRef>
+        </p:style>
+        <p:txBody>
+          <a:bodyPr rtlCol="0" anchor="ctr"/>
+          <a:lstStyle/>
+          <a:p>
+            <a:pPr algn="ctr"/>
+            <a:endParaRPr lang="en-US"/>
+          </a:p>
+        </p:txBody>
+      </p:sp>
+      <p:sp>
+        <p:nvSpPr>
+          <p:cNvPr id="82" name="Oval 81"/>
+          <p:cNvSpPr/>
+          <p:nvPr/>
+        </p:nvSpPr>
+        <p:spPr>
+          <a:xfrm>
+            <a:off x="3688379" y="3427713"/>
+            <a:ext cx="212972" cy="212972"/>
+          </a:xfrm>
+          <a:prstGeom prst="ellipse">
+            <a:avLst/>
+          </a:prstGeom>
+        </p:spPr>
+        <p:style>
+          <a:lnRef idx="1">
+            <a:schemeClr val="accent2"/>
+          </a:lnRef>
+          <a:fillRef idx="2">
+            <a:schemeClr val="accent2"/>
+          </a:fillRef>
+          <a:effectRef idx="1">
+            <a:schemeClr val="accent2"/>
+          </a:effectRef>
+          <a:fontRef idx="minor">
+            <a:schemeClr val="dk1"/>
+          </a:fontRef>
+        </p:style>
+        <p:txBody>
+          <a:bodyPr rtlCol="0" anchor="ctr"/>
+          <a:lstStyle/>
+          <a:p>
+            <a:pPr algn="ctr"/>
+            <a:endParaRPr lang="en-US"/>
+          </a:p>
+        </p:txBody>
+      </p:sp>
+      <p:sp>
+        <p:nvSpPr>
+          <p:cNvPr id="83" name="Oval 82"/>
+          <p:cNvSpPr/>
+          <p:nvPr/>
+        </p:nvSpPr>
+        <p:spPr>
+          <a:xfrm>
+            <a:off x="3968398" y="3427713"/>
+            <a:ext cx="212972" cy="212972"/>
+          </a:xfrm>
+          <a:prstGeom prst="ellipse">
+            <a:avLst/>
+          </a:prstGeom>
+        </p:spPr>
+        <p:style>
+          <a:lnRef idx="1">
+            <a:schemeClr val="accent2"/>
+          </a:lnRef>
+          <a:fillRef idx="2">
+            <a:schemeClr val="accent2"/>
+          </a:fillRef>
+          <a:effectRef idx="1">
+            <a:schemeClr val="accent2"/>
+          </a:effectRef>
+          <a:fontRef idx="minor">
+            <a:schemeClr val="dk1"/>
+          </a:fontRef>
+        </p:style>
+        <p:txBody>
+          <a:bodyPr rtlCol="0" anchor="ctr"/>
+          <a:lstStyle/>
+          <a:p>
+            <a:pPr algn="ctr"/>
+            <a:endParaRPr lang="en-US"/>
+          </a:p>
+        </p:txBody>
+      </p:sp>
+      <p:sp>
+        <p:nvSpPr>
+          <p:cNvPr id="84" name="Oval 83"/>
+          <p:cNvSpPr/>
+          <p:nvPr/>
+        </p:nvSpPr>
+        <p:spPr>
+          <a:xfrm>
+            <a:off x="2874834" y="3504494"/>
+            <a:ext cx="64687" cy="64687"/>
+          </a:xfrm>
+          <a:prstGeom prst="ellipse">
+            <a:avLst/>
+          </a:prstGeom>
+        </p:spPr>
+        <p:style>
+          <a:lnRef idx="1">
+            <a:schemeClr val="accent1"/>
+          </a:lnRef>
+          <a:fillRef idx="2">
+            <a:schemeClr val="accent1"/>
+          </a:fillRef>
+          <a:effectRef idx="1">
+            <a:schemeClr val="accent1"/>
+          </a:effectRef>
+          <a:fontRef idx="minor">
+            <a:schemeClr val="dk1"/>
+          </a:fontRef>
+        </p:style>
+        <p:txBody>
+          <a:bodyPr rtlCol="0" anchor="ctr"/>
+          <a:lstStyle/>
+          <a:p>
+            <a:pPr algn="ctr"/>
+            <a:endParaRPr lang="en-US"/>
+          </a:p>
+        </p:txBody>
+      </p:sp>
+      <p:sp>
+        <p:nvSpPr>
+          <p:cNvPr id="85" name="Oval 84"/>
+          <p:cNvSpPr/>
+          <p:nvPr/>
+        </p:nvSpPr>
+        <p:spPr>
+          <a:xfrm>
+            <a:off x="2605086" y="3504494"/>
+            <a:ext cx="64687" cy="64687"/>
+          </a:xfrm>
+          <a:prstGeom prst="ellipse">
+            <a:avLst/>
+          </a:prstGeom>
+        </p:spPr>
+        <p:style>
+          <a:lnRef idx="1">
+            <a:schemeClr val="accent1"/>
+          </a:lnRef>
+          <a:fillRef idx="2">
+            <a:schemeClr val="accent1"/>
+          </a:fillRef>
+          <a:effectRef idx="1">
+            <a:schemeClr val="accent1"/>
+          </a:effectRef>
+          <a:fontRef idx="minor">
+            <a:schemeClr val="dk1"/>
+          </a:fontRef>
+        </p:style>
+        <p:txBody>
+          <a:bodyPr rtlCol="0" anchor="ctr"/>
+          <a:lstStyle/>
+          <a:p>
+            <a:pPr algn="ctr"/>
+            <a:endParaRPr lang="en-US"/>
+          </a:p>
+        </p:txBody>
+      </p:sp>
+      <p:sp>
+        <p:nvSpPr>
+          <p:cNvPr id="88" name="Right Brace 87"/>
+          <p:cNvSpPr/>
+          <p:nvPr/>
+        </p:nvSpPr>
+        <p:spPr>
+          <a:xfrm>
+            <a:off x="4239490" y="2654582"/>
+            <a:ext cx="76561" cy="460650"/>
+          </a:xfrm>
+          <a:prstGeom prst="rightBrace">
+            <a:avLst>
+              <a:gd name="adj1" fmla="val 48336"/>
+              <a:gd name="adj2" fmla="val 50000"/>
+            </a:avLst>
+          </a:prstGeom>
+        </p:spPr>
+        <p:style>
+          <a:lnRef idx="1">
+            <a:schemeClr val="dk1"/>
+          </a:lnRef>
+          <a:fillRef idx="0">
+            <a:schemeClr val="dk1"/>
+          </a:fillRef>
+          <a:effectRef idx="0">
+            <a:schemeClr val="dk1"/>
+          </a:effectRef>
+          <a:fontRef idx="minor">
+            <a:schemeClr val="tx1"/>
+          </a:fontRef>
+        </p:style>
+        <p:txBody>
+          <a:bodyPr rtlCol="0" anchor="ctr"/>
+          <a:lstStyle/>
+          <a:p>
+            <a:pPr algn="ctr"/>
+            <a:endParaRPr lang="en-US"/>
+          </a:p>
+        </p:txBody>
+      </p:sp>
+      <p:sp>
+        <p:nvSpPr>
+          <p:cNvPr id="89" name="Right Brace 88"/>
+          <p:cNvSpPr/>
+          <p:nvPr/>
+        </p:nvSpPr>
+        <p:spPr>
+          <a:xfrm>
+            <a:off x="4262830" y="3197388"/>
+            <a:ext cx="76561" cy="460650"/>
+          </a:xfrm>
+          <a:prstGeom prst="rightBrace">
+            <a:avLst>
+              <a:gd name="adj1" fmla="val 48336"/>
+              <a:gd name="adj2" fmla="val 50000"/>
+            </a:avLst>
+          </a:prstGeom>
+        </p:spPr>
+        <p:style>
+          <a:lnRef idx="1">
+            <a:schemeClr val="dk1"/>
+          </a:lnRef>
+          <a:fillRef idx="0">
+            <a:schemeClr val="dk1"/>
+          </a:fillRef>
+          <a:effectRef idx="0">
+            <a:schemeClr val="dk1"/>
+          </a:effectRef>
+          <a:fontRef idx="minor">
+            <a:schemeClr val="tx1"/>
+          </a:fontRef>
+        </p:style>
+        <p:txBody>
+          <a:bodyPr rtlCol="0" anchor="ctr"/>
+          <a:lstStyle/>
+          <a:p>
+            <a:pPr algn="ctr"/>
+            <a:endParaRPr lang="en-US"/>
+          </a:p>
+        </p:txBody>
+      </p:sp>
+    </p:spTree>
+    <p:extLst>
+      <p:ext uri="{BB962C8B-B14F-4D97-AF65-F5344CB8AC3E}">
+        <p14:creationId xmlns:p14="http://schemas.microsoft.com/office/powerpoint/2010/main" val="2263205243"/>
       </p:ext>
     </p:extLst>
   </p:cSld>

--- a/img/examples.pptx
+++ b/img/examples.pptx
@@ -4967,43 +4967,7 @@
         </p:nvSpPr>
         <p:spPr>
           <a:xfrm>
-            <a:off x="4259955" y="2228699"/>
-            <a:ext cx="684878" cy="369332"/>
-          </a:xfrm>
-          <a:prstGeom prst="rect">
-            <a:avLst/>
-          </a:prstGeom>
-          <a:noFill/>
-        </p:spPr>
-        <p:txBody>
-          <a:bodyPr wrap="none" rtlCol="0">
-            <a:spAutoFit/>
-          </a:bodyPr>
-          <a:lstStyle/>
-          <a:p>
-            <a:r>
-              <a:rPr lang="en-US" b="1" dirty="0" smtClean="0">
-                <a:latin typeface="Arial"/>
-                <a:cs typeface="Arial"/>
-              </a:rPr>
-              <a:t>DGE</a:t>
-            </a:r>
-            <a:endParaRPr lang="en-US" b="1" dirty="0">
-              <a:latin typeface="Arial"/>
-              <a:cs typeface="Arial"/>
-            </a:endParaRPr>
-          </a:p>
-        </p:txBody>
-      </p:sp>
-      <p:sp>
-        <p:nvSpPr>
-          <p:cNvPr id="5" name="TextBox 4"/>
-          <p:cNvSpPr txBox="1"/>
-          <p:nvPr/>
-        </p:nvSpPr>
-        <p:spPr>
-          <a:xfrm>
-            <a:off x="4257894" y="2682194"/>
+            <a:off x="4238953" y="2396771"/>
             <a:ext cx="1441508" cy="369332"/>
           </a:xfrm>
           <a:prstGeom prst="rect">
@@ -5033,13 +4997,49 @@
       </p:sp>
       <p:sp>
         <p:nvSpPr>
+          <p:cNvPr id="5" name="TextBox 4"/>
+          <p:cNvSpPr txBox="1"/>
+          <p:nvPr/>
+        </p:nvSpPr>
+        <p:spPr>
+          <a:xfrm>
+            <a:off x="4247135" y="2952908"/>
+            <a:ext cx="1441508" cy="369332"/>
+          </a:xfrm>
+          <a:prstGeom prst="rect">
+            <a:avLst/>
+          </a:prstGeom>
+          <a:noFill/>
+        </p:spPr>
+        <p:txBody>
+          <a:bodyPr wrap="none" rtlCol="0">
+            <a:spAutoFit/>
+          </a:bodyPr>
+          <a:lstStyle/>
+          <a:p>
+            <a:r>
+              <a:rPr lang="en-US" b="1" dirty="0" smtClean="0">
+                <a:latin typeface="Arial"/>
+                <a:cs typeface="Arial"/>
+              </a:rPr>
+              <a:t>DGE &amp; DTE</a:t>
+            </a:r>
+            <a:endParaRPr lang="en-US" b="1" dirty="0">
+              <a:latin typeface="Arial"/>
+              <a:cs typeface="Arial"/>
+            </a:endParaRPr>
+          </a:p>
+        </p:txBody>
+      </p:sp>
+      <p:sp>
+        <p:nvSpPr>
           <p:cNvPr id="6" name="TextBox 5"/>
           <p:cNvSpPr txBox="1"/>
           <p:nvPr/>
         </p:nvSpPr>
         <p:spPr>
           <a:xfrm>
-            <a:off x="4269157" y="3238392"/>
+            <a:off x="4244518" y="3495226"/>
             <a:ext cx="1415697" cy="369332"/>
           </a:xfrm>
           <a:prstGeom prst="rect">
@@ -5075,7 +5075,7 @@
         </p:nvSpPr>
         <p:spPr>
           <a:xfrm>
-            <a:off x="1141481" y="2371769"/>
+            <a:off x="1141481" y="2404169"/>
             <a:ext cx="284052" cy="101600"/>
           </a:xfrm>
           <a:prstGeom prst="rect">
@@ -5113,7 +5113,7 @@
         </p:nvSpPr>
         <p:spPr>
           <a:xfrm>
-            <a:off x="1577933" y="2371769"/>
+            <a:off x="1577933" y="2404169"/>
             <a:ext cx="244880" cy="101600"/>
           </a:xfrm>
           <a:prstGeom prst="rect">
@@ -5154,7 +5154,7 @@
         </p:nvCxnSpPr>
         <p:spPr>
           <a:xfrm>
-            <a:off x="1425533" y="2422569"/>
+            <a:off x="1425533" y="2454969"/>
             <a:ext cx="152400" cy="0"/>
           </a:xfrm>
           <a:prstGeom prst="line">
@@ -5184,7 +5184,7 @@
         </p:nvSpPr>
         <p:spPr>
           <a:xfrm>
-            <a:off x="1152240" y="2668032"/>
+            <a:off x="1141481" y="2959566"/>
             <a:ext cx="533400" cy="101600"/>
           </a:xfrm>
           <a:prstGeom prst="rect">
@@ -5222,7 +5222,7 @@
         </p:nvSpPr>
         <p:spPr>
           <a:xfrm>
-            <a:off x="1838040" y="2668032"/>
+            <a:off x="1827281" y="2959566"/>
             <a:ext cx="244880" cy="101600"/>
           </a:xfrm>
           <a:prstGeom prst="rect">
@@ -5263,7 +5263,7 @@
         </p:nvCxnSpPr>
         <p:spPr>
           <a:xfrm>
-            <a:off x="1685640" y="2718832"/>
+            <a:off x="1674881" y="3010366"/>
             <a:ext cx="152400" cy="0"/>
           </a:xfrm>
           <a:prstGeom prst="line">
@@ -5293,7 +5293,7 @@
         </p:nvSpPr>
         <p:spPr>
           <a:xfrm>
-            <a:off x="1141481" y="2935764"/>
+            <a:off x="1130722" y="3227298"/>
             <a:ext cx="533400" cy="101600"/>
           </a:xfrm>
           <a:prstGeom prst="rect">
@@ -5331,7 +5331,7 @@
         </p:nvSpPr>
         <p:spPr>
           <a:xfrm>
-            <a:off x="2195461" y="2935764"/>
+            <a:off x="2184702" y="3227298"/>
             <a:ext cx="244880" cy="101600"/>
           </a:xfrm>
           <a:prstGeom prst="rect">
@@ -5372,7 +5372,7 @@
         </p:nvCxnSpPr>
         <p:spPr>
           <a:xfrm>
-            <a:off x="1674881" y="2986564"/>
+            <a:off x="1664122" y="3278098"/>
             <a:ext cx="520580" cy="0"/>
           </a:xfrm>
           <a:prstGeom prst="line">
@@ -5402,7 +5402,7 @@
         </p:nvSpPr>
         <p:spPr>
           <a:xfrm>
-            <a:off x="1141481" y="3228832"/>
+            <a:off x="1130722" y="3520366"/>
             <a:ext cx="284052" cy="101600"/>
           </a:xfrm>
           <a:prstGeom prst="rect">
@@ -5440,7 +5440,7 @@
         </p:nvSpPr>
         <p:spPr>
           <a:xfrm>
-            <a:off x="1674881" y="3228832"/>
+            <a:off x="1664122" y="3520366"/>
             <a:ext cx="244880" cy="101600"/>
           </a:xfrm>
           <a:prstGeom prst="rect">
@@ -5481,7 +5481,7 @@
         </p:nvCxnSpPr>
         <p:spPr>
           <a:xfrm>
-            <a:off x="1425533" y="3279632"/>
+            <a:off x="1414774" y="3571166"/>
             <a:ext cx="249348" cy="0"/>
           </a:xfrm>
           <a:prstGeom prst="line">
@@ -5511,7 +5511,7 @@
         </p:nvSpPr>
         <p:spPr>
           <a:xfrm>
-            <a:off x="1141481" y="3483399"/>
+            <a:off x="1130722" y="3774933"/>
             <a:ext cx="284052" cy="101600"/>
           </a:xfrm>
           <a:prstGeom prst="rect">
@@ -5549,7 +5549,7 @@
         </p:nvSpPr>
         <p:spPr>
           <a:xfrm>
-            <a:off x="1674881" y="3483399"/>
+            <a:off x="1664122" y="3774933"/>
             <a:ext cx="244880" cy="101600"/>
           </a:xfrm>
           <a:prstGeom prst="rect">
@@ -5590,7 +5590,7 @@
         </p:nvCxnSpPr>
         <p:spPr>
           <a:xfrm>
-            <a:off x="1425533" y="3534199"/>
+            <a:off x="1414774" y="3825733"/>
             <a:ext cx="249348" cy="0"/>
           </a:xfrm>
           <a:prstGeom prst="line">
@@ -5620,7 +5620,7 @@
         </p:nvSpPr>
         <p:spPr>
           <a:xfrm>
-            <a:off x="2224561" y="3228832"/>
+            <a:off x="2213802" y="3520366"/>
             <a:ext cx="244880" cy="101600"/>
           </a:xfrm>
           <a:prstGeom prst="rect">
@@ -5661,7 +5661,7 @@
         </p:nvCxnSpPr>
         <p:spPr>
           <a:xfrm>
-            <a:off x="1919761" y="3279632"/>
+            <a:off x="1909002" y="3571166"/>
             <a:ext cx="304800" cy="0"/>
           </a:xfrm>
           <a:prstGeom prst="line">
@@ -5692,7 +5692,7 @@
         <p:spPr>
           <a:xfrm>
             <a:off x="418056" y="1985956"/>
-            <a:ext cx="723425" cy="1754327"/>
+            <a:ext cx="723425" cy="2031325"/>
           </a:xfrm>
           <a:prstGeom prst="rect">
             <a:avLst/>
@@ -5733,6 +5733,32 @@
           <a:p>
             <a:pPr algn="ctr"/>
             <a:r>
+              <a:rPr lang="en-US" b="1" dirty="0">
+                <a:solidFill>
+                  <a:schemeClr val="accent4">
+                    <a:lumMod val="60000"/>
+                    <a:lumOff val="40000"/>
+                  </a:schemeClr>
+                </a:solidFill>
+                <a:latin typeface="Arial"/>
+                <a:cs typeface="Arial"/>
+              </a:rPr>
+              <a:t>A</a:t>
+            </a:r>
+            <a:endParaRPr lang="en-US" b="1" dirty="0" smtClean="0">
+              <a:solidFill>
+                <a:schemeClr val="accent4">
+                  <a:lumMod val="60000"/>
+                  <a:lumOff val="40000"/>
+                </a:schemeClr>
+              </a:solidFill>
+              <a:latin typeface="Arial"/>
+              <a:cs typeface="Arial"/>
+            </a:endParaRPr>
+          </a:p>
+          <a:p>
+            <a:pPr algn="ctr"/>
+            <a:r>
               <a:rPr lang="en-US" b="1" dirty="0" smtClean="0">
                 <a:solidFill>
                   <a:schemeClr val="accent6">
@@ -5898,14 +5924,128 @@
       </p:sp>
       <p:sp>
         <p:nvSpPr>
-          <p:cNvPr id="39" name="Oval 38"/>
+          <p:cNvPr id="40" name="Oval 39"/>
           <p:cNvSpPr/>
           <p:nvPr/>
         </p:nvSpPr>
         <p:spPr>
           <a:xfrm>
-            <a:off x="3149662" y="2386886"/>
-            <a:ext cx="64687" cy="64687"/>
+            <a:off x="3405829" y="2312947"/>
+            <a:ext cx="212972" cy="212972"/>
+          </a:xfrm>
+          <a:prstGeom prst="ellipse">
+            <a:avLst/>
+          </a:prstGeom>
+        </p:spPr>
+        <p:style>
+          <a:lnRef idx="1">
+            <a:schemeClr val="accent2"/>
+          </a:lnRef>
+          <a:fillRef idx="2">
+            <a:schemeClr val="accent2"/>
+          </a:fillRef>
+          <a:effectRef idx="1">
+            <a:schemeClr val="accent2"/>
+          </a:effectRef>
+          <a:fontRef idx="minor">
+            <a:schemeClr val="dk1"/>
+          </a:fontRef>
+        </p:style>
+        <p:txBody>
+          <a:bodyPr rtlCol="0" anchor="ctr"/>
+          <a:lstStyle/>
+          <a:p>
+            <a:pPr algn="ctr"/>
+            <a:endParaRPr lang="en-US"/>
+          </a:p>
+        </p:txBody>
+      </p:sp>
+      <p:sp>
+        <p:nvSpPr>
+          <p:cNvPr id="41" name="Oval 40"/>
+          <p:cNvSpPr/>
+          <p:nvPr/>
+        </p:nvSpPr>
+        <p:spPr>
+          <a:xfrm>
+            <a:off x="3688379" y="2312947"/>
+            <a:ext cx="212972" cy="212972"/>
+          </a:xfrm>
+          <a:prstGeom prst="ellipse">
+            <a:avLst/>
+          </a:prstGeom>
+        </p:spPr>
+        <p:style>
+          <a:lnRef idx="1">
+            <a:schemeClr val="accent2"/>
+          </a:lnRef>
+          <a:fillRef idx="2">
+            <a:schemeClr val="accent2"/>
+          </a:fillRef>
+          <a:effectRef idx="1">
+            <a:schemeClr val="accent2"/>
+          </a:effectRef>
+          <a:fontRef idx="minor">
+            <a:schemeClr val="dk1"/>
+          </a:fontRef>
+        </p:style>
+        <p:txBody>
+          <a:bodyPr rtlCol="0" anchor="ctr"/>
+          <a:lstStyle/>
+          <a:p>
+            <a:pPr algn="ctr"/>
+            <a:endParaRPr lang="en-US"/>
+          </a:p>
+        </p:txBody>
+      </p:sp>
+      <p:sp>
+        <p:nvSpPr>
+          <p:cNvPr id="42" name="Oval 41"/>
+          <p:cNvSpPr/>
+          <p:nvPr/>
+        </p:nvSpPr>
+        <p:spPr>
+          <a:xfrm>
+            <a:off x="3968398" y="2312947"/>
+            <a:ext cx="212972" cy="212972"/>
+          </a:xfrm>
+          <a:prstGeom prst="ellipse">
+            <a:avLst/>
+          </a:prstGeom>
+        </p:spPr>
+        <p:style>
+          <a:lnRef idx="1">
+            <a:schemeClr val="accent2"/>
+          </a:lnRef>
+          <a:fillRef idx="2">
+            <a:schemeClr val="accent2"/>
+          </a:fillRef>
+          <a:effectRef idx="1">
+            <a:schemeClr val="accent2"/>
+          </a:effectRef>
+          <a:fontRef idx="minor">
+            <a:schemeClr val="dk1"/>
+          </a:fontRef>
+        </p:style>
+        <p:txBody>
+          <a:bodyPr rtlCol="0" anchor="ctr"/>
+          <a:lstStyle/>
+          <a:p>
+            <a:pPr algn="ctr"/>
+            <a:endParaRPr lang="en-US"/>
+          </a:p>
+        </p:txBody>
+      </p:sp>
+      <p:sp>
+        <p:nvSpPr>
+          <p:cNvPr id="44" name="Oval 43"/>
+          <p:cNvSpPr/>
+          <p:nvPr/>
+        </p:nvSpPr>
+        <p:spPr>
+          <a:xfrm>
+            <a:off x="2566212" y="2376768"/>
+            <a:ext cx="136191" cy="136191"/>
           </a:xfrm>
           <a:prstGeom prst="ellipse">
             <a:avLst/>
@@ -5936,13 +6076,13 @@
       </p:sp>
       <p:sp>
         <p:nvSpPr>
-          <p:cNvPr id="40" name="Oval 39"/>
+          <p:cNvPr id="52" name="Oval 51"/>
           <p:cNvSpPr/>
           <p:nvPr/>
         </p:nvSpPr>
         <p:spPr>
           <a:xfrm>
-            <a:off x="3405829" y="2312947"/>
+            <a:off x="3395070" y="3177762"/>
             <a:ext cx="212972" cy="212972"/>
           </a:xfrm>
           <a:prstGeom prst="ellipse">
@@ -5974,13 +6114,13 @@
       </p:sp>
       <p:sp>
         <p:nvSpPr>
-          <p:cNvPr id="41" name="Oval 40"/>
+          <p:cNvPr id="53" name="Oval 52"/>
           <p:cNvSpPr/>
           <p:nvPr/>
         </p:nvSpPr>
         <p:spPr>
           <a:xfrm>
-            <a:off x="3688379" y="2312947"/>
+            <a:off x="3691500" y="3177762"/>
             <a:ext cx="212972" cy="212972"/>
           </a:xfrm>
           <a:prstGeom prst="ellipse">
@@ -6012,13 +6152,13 @@
       </p:sp>
       <p:sp>
         <p:nvSpPr>
-          <p:cNvPr id="42" name="Oval 41"/>
+          <p:cNvPr id="54" name="Oval 53"/>
           <p:cNvSpPr/>
           <p:nvPr/>
         </p:nvSpPr>
         <p:spPr>
           <a:xfrm>
-            <a:off x="3968398" y="2312947"/>
+            <a:off x="3971519" y="3177762"/>
             <a:ext cx="212972" cy="212972"/>
           </a:xfrm>
           <a:prstGeom prst="ellipse">
@@ -6050,13 +6190,13 @@
       </p:sp>
       <p:sp>
         <p:nvSpPr>
-          <p:cNvPr id="43" name="Oval 42"/>
+          <p:cNvPr id="57" name="Oval 56"/>
           <p:cNvSpPr/>
           <p:nvPr/>
         </p:nvSpPr>
         <p:spPr>
           <a:xfrm>
-            <a:off x="2874834" y="2389728"/>
+            <a:off x="3145382" y="3240311"/>
             <a:ext cx="64687" cy="64687"/>
           </a:xfrm>
           <a:prstGeom prst="ellipse">
@@ -6088,13 +6228,13 @@
       </p:sp>
       <p:sp>
         <p:nvSpPr>
-          <p:cNvPr id="44" name="Oval 43"/>
+          <p:cNvPr id="61" name="Oval 60"/>
           <p:cNvSpPr/>
           <p:nvPr/>
         </p:nvSpPr>
         <p:spPr>
           <a:xfrm>
-            <a:off x="2605086" y="2389728"/>
+            <a:off x="2870554" y="3243153"/>
             <a:ext cx="64687" cy="64687"/>
           </a:xfrm>
           <a:prstGeom prst="ellipse">
@@ -6126,13 +6266,13 @@
       </p:sp>
       <p:sp>
         <p:nvSpPr>
-          <p:cNvPr id="51" name="Oval 50"/>
+          <p:cNvPr id="62" name="Oval 61"/>
           <p:cNvSpPr/>
           <p:nvPr/>
         </p:nvSpPr>
         <p:spPr>
           <a:xfrm>
-            <a:off x="3149662" y="2677436"/>
+            <a:off x="2600806" y="3243153"/>
             <a:ext cx="64687" cy="64687"/>
           </a:xfrm>
           <a:prstGeom prst="ellipse">
@@ -6164,14 +6304,128 @@
       </p:sp>
       <p:sp>
         <p:nvSpPr>
-          <p:cNvPr id="52" name="Oval 51"/>
+          <p:cNvPr id="74" name="Oval 73"/>
           <p:cNvSpPr/>
           <p:nvPr/>
         </p:nvSpPr>
         <p:spPr>
           <a:xfrm>
-            <a:off x="3405829" y="2886228"/>
+            <a:off x="2517578" y="3464680"/>
             <a:ext cx="212972" cy="212972"/>
+          </a:xfrm>
+          <a:prstGeom prst="ellipse">
+            <a:avLst/>
+          </a:prstGeom>
+        </p:spPr>
+        <p:style>
+          <a:lnRef idx="1">
+            <a:schemeClr val="accent1"/>
+          </a:lnRef>
+          <a:fillRef idx="2">
+            <a:schemeClr val="accent1"/>
+          </a:fillRef>
+          <a:effectRef idx="1">
+            <a:schemeClr val="accent1"/>
+          </a:effectRef>
+          <a:fontRef idx="minor">
+            <a:schemeClr val="dk1"/>
+          </a:fontRef>
+        </p:style>
+        <p:txBody>
+          <a:bodyPr rtlCol="0" anchor="ctr"/>
+          <a:lstStyle/>
+          <a:p>
+            <a:pPr algn="ctr"/>
+            <a:endParaRPr lang="en-US"/>
+          </a:p>
+        </p:txBody>
+      </p:sp>
+      <p:sp>
+        <p:nvSpPr>
+          <p:cNvPr id="75" name="Oval 74"/>
+          <p:cNvSpPr/>
+          <p:nvPr/>
+        </p:nvSpPr>
+        <p:spPr>
+          <a:xfrm>
+            <a:off x="2800128" y="3464680"/>
+            <a:ext cx="212972" cy="212972"/>
+          </a:xfrm>
+          <a:prstGeom prst="ellipse">
+            <a:avLst/>
+          </a:prstGeom>
+        </p:spPr>
+        <p:style>
+          <a:lnRef idx="1">
+            <a:schemeClr val="accent1"/>
+          </a:lnRef>
+          <a:fillRef idx="2">
+            <a:schemeClr val="accent1"/>
+          </a:fillRef>
+          <a:effectRef idx="1">
+            <a:schemeClr val="accent1"/>
+          </a:effectRef>
+          <a:fontRef idx="minor">
+            <a:schemeClr val="dk1"/>
+          </a:fontRef>
+        </p:style>
+        <p:txBody>
+          <a:bodyPr rtlCol="0" anchor="ctr"/>
+          <a:lstStyle/>
+          <a:p>
+            <a:pPr algn="ctr"/>
+            <a:endParaRPr lang="en-US"/>
+          </a:p>
+        </p:txBody>
+      </p:sp>
+      <p:sp>
+        <p:nvSpPr>
+          <p:cNvPr id="76" name="Oval 75"/>
+          <p:cNvSpPr/>
+          <p:nvPr/>
+        </p:nvSpPr>
+        <p:spPr>
+          <a:xfrm>
+            <a:off x="3080147" y="3464680"/>
+            <a:ext cx="212972" cy="212972"/>
+          </a:xfrm>
+          <a:prstGeom prst="ellipse">
+            <a:avLst/>
+          </a:prstGeom>
+        </p:spPr>
+        <p:style>
+          <a:lnRef idx="1">
+            <a:schemeClr val="accent1"/>
+          </a:lnRef>
+          <a:fillRef idx="2">
+            <a:schemeClr val="accent1"/>
+          </a:fillRef>
+          <a:effectRef idx="1">
+            <a:schemeClr val="accent1"/>
+          </a:effectRef>
+          <a:fontRef idx="minor">
+            <a:schemeClr val="dk1"/>
+          </a:fontRef>
+        </p:style>
+        <p:txBody>
+          <a:bodyPr rtlCol="0" anchor="ctr"/>
+          <a:lstStyle/>
+          <a:p>
+            <a:pPr algn="ctr"/>
+            <a:endParaRPr lang="en-US"/>
+          </a:p>
+        </p:txBody>
+      </p:sp>
+      <p:sp>
+        <p:nvSpPr>
+          <p:cNvPr id="77" name="Oval 76"/>
+          <p:cNvSpPr/>
+          <p:nvPr/>
+        </p:nvSpPr>
+        <p:spPr>
+          <a:xfrm>
+            <a:off x="4043379" y="3539843"/>
+            <a:ext cx="64687" cy="64687"/>
           </a:xfrm>
           <a:prstGeom prst="ellipse">
             <a:avLst/>
@@ -6202,14 +6456,14 @@
       </p:sp>
       <p:sp>
         <p:nvSpPr>
-          <p:cNvPr id="53" name="Oval 52"/>
+          <p:cNvPr id="78" name="Oval 77"/>
           <p:cNvSpPr/>
           <p:nvPr/>
         </p:nvSpPr>
         <p:spPr>
           <a:xfrm>
-            <a:off x="3688379" y="2886228"/>
-            <a:ext cx="212972" cy="212972"/>
+            <a:off x="3765422" y="3543595"/>
+            <a:ext cx="64687" cy="64687"/>
           </a:xfrm>
           <a:prstGeom prst="ellipse">
             <a:avLst/>
@@ -6240,14 +6494,14 @@
       </p:sp>
       <p:sp>
         <p:nvSpPr>
-          <p:cNvPr id="54" name="Oval 53"/>
+          <p:cNvPr id="79" name="Oval 78"/>
           <p:cNvSpPr/>
           <p:nvPr/>
         </p:nvSpPr>
         <p:spPr>
           <a:xfrm>
-            <a:off x="3968398" y="2886228"/>
-            <a:ext cx="212972" cy="212972"/>
+            <a:off x="3480217" y="3543595"/>
+            <a:ext cx="64687" cy="64687"/>
           </a:xfrm>
           <a:prstGeom prst="ellipse">
             <a:avLst/>
@@ -6278,13 +6532,13 @@
       </p:sp>
       <p:sp>
         <p:nvSpPr>
-          <p:cNvPr id="55" name="Oval 54"/>
+          <p:cNvPr id="80" name="Oval 79"/>
           <p:cNvSpPr/>
           <p:nvPr/>
         </p:nvSpPr>
         <p:spPr>
           <a:xfrm>
-            <a:off x="2874834" y="2680278"/>
+            <a:off x="3145382" y="3793186"/>
             <a:ext cx="64687" cy="64687"/>
           </a:xfrm>
           <a:prstGeom prst="ellipse">
@@ -6316,13 +6570,127 @@
       </p:sp>
       <p:sp>
         <p:nvSpPr>
-          <p:cNvPr id="56" name="Oval 55"/>
+          <p:cNvPr id="81" name="Oval 80"/>
           <p:cNvSpPr/>
           <p:nvPr/>
         </p:nvSpPr>
         <p:spPr>
           <a:xfrm>
-            <a:off x="2605086" y="2680278"/>
+            <a:off x="3395070" y="3719247"/>
+            <a:ext cx="212972" cy="212972"/>
+          </a:xfrm>
+          <a:prstGeom prst="ellipse">
+            <a:avLst/>
+          </a:prstGeom>
+        </p:spPr>
+        <p:style>
+          <a:lnRef idx="1">
+            <a:schemeClr val="accent2"/>
+          </a:lnRef>
+          <a:fillRef idx="2">
+            <a:schemeClr val="accent2"/>
+          </a:fillRef>
+          <a:effectRef idx="1">
+            <a:schemeClr val="accent2"/>
+          </a:effectRef>
+          <a:fontRef idx="minor">
+            <a:schemeClr val="dk1"/>
+          </a:fontRef>
+        </p:style>
+        <p:txBody>
+          <a:bodyPr rtlCol="0" anchor="ctr"/>
+          <a:lstStyle/>
+          <a:p>
+            <a:pPr algn="ctr"/>
+            <a:endParaRPr lang="en-US"/>
+          </a:p>
+        </p:txBody>
+      </p:sp>
+      <p:sp>
+        <p:nvSpPr>
+          <p:cNvPr id="82" name="Oval 81"/>
+          <p:cNvSpPr/>
+          <p:nvPr/>
+        </p:nvSpPr>
+        <p:spPr>
+          <a:xfrm>
+            <a:off x="3691500" y="3719247"/>
+            <a:ext cx="212972" cy="212972"/>
+          </a:xfrm>
+          <a:prstGeom prst="ellipse">
+            <a:avLst/>
+          </a:prstGeom>
+        </p:spPr>
+        <p:style>
+          <a:lnRef idx="1">
+            <a:schemeClr val="accent2"/>
+          </a:lnRef>
+          <a:fillRef idx="2">
+            <a:schemeClr val="accent2"/>
+          </a:fillRef>
+          <a:effectRef idx="1">
+            <a:schemeClr val="accent2"/>
+          </a:effectRef>
+          <a:fontRef idx="minor">
+            <a:schemeClr val="dk1"/>
+          </a:fontRef>
+        </p:style>
+        <p:txBody>
+          <a:bodyPr rtlCol="0" anchor="ctr"/>
+          <a:lstStyle/>
+          <a:p>
+            <a:pPr algn="ctr"/>
+            <a:endParaRPr lang="en-US"/>
+          </a:p>
+        </p:txBody>
+      </p:sp>
+      <p:sp>
+        <p:nvSpPr>
+          <p:cNvPr id="83" name="Oval 82"/>
+          <p:cNvSpPr/>
+          <p:nvPr/>
+        </p:nvSpPr>
+        <p:spPr>
+          <a:xfrm>
+            <a:off x="3971519" y="3719247"/>
+            <a:ext cx="212972" cy="212972"/>
+          </a:xfrm>
+          <a:prstGeom prst="ellipse">
+            <a:avLst/>
+          </a:prstGeom>
+        </p:spPr>
+        <p:style>
+          <a:lnRef idx="1">
+            <a:schemeClr val="accent2"/>
+          </a:lnRef>
+          <a:fillRef idx="2">
+            <a:schemeClr val="accent2"/>
+          </a:fillRef>
+          <a:effectRef idx="1">
+            <a:schemeClr val="accent2"/>
+          </a:effectRef>
+          <a:fontRef idx="minor">
+            <a:schemeClr val="dk1"/>
+          </a:fontRef>
+        </p:style>
+        <p:txBody>
+          <a:bodyPr rtlCol="0" anchor="ctr"/>
+          <a:lstStyle/>
+          <a:p>
+            <a:pPr algn="ctr"/>
+            <a:endParaRPr lang="en-US"/>
+          </a:p>
+        </p:txBody>
+      </p:sp>
+      <p:sp>
+        <p:nvSpPr>
+          <p:cNvPr id="84" name="Oval 83"/>
+          <p:cNvSpPr/>
+          <p:nvPr/>
+        </p:nvSpPr>
+        <p:spPr>
+          <a:xfrm>
+            <a:off x="2870554" y="3796028"/>
             <a:ext cx="64687" cy="64687"/>
           </a:xfrm>
           <a:prstGeom prst="ellipse">
@@ -6354,13 +6722,13 @@
       </p:sp>
       <p:sp>
         <p:nvSpPr>
-          <p:cNvPr id="57" name="Oval 56"/>
+          <p:cNvPr id="85" name="Oval 84"/>
           <p:cNvSpPr/>
           <p:nvPr/>
         </p:nvSpPr>
         <p:spPr>
           <a:xfrm>
-            <a:off x="3149662" y="2948777"/>
+            <a:off x="2600806" y="3796028"/>
             <a:ext cx="64687" cy="64687"/>
           </a:xfrm>
           <a:prstGeom prst="ellipse">
@@ -6392,13 +6760,275 @@
       </p:sp>
       <p:sp>
         <p:nvSpPr>
-          <p:cNvPr id="61" name="Oval 60"/>
+          <p:cNvPr id="88" name="Right Brace 87"/>
           <p:cNvSpPr/>
           <p:nvPr/>
         </p:nvSpPr>
         <p:spPr>
           <a:xfrm>
-            <a:off x="2874834" y="2951619"/>
+            <a:off x="4228731" y="2925296"/>
+            <a:ext cx="76561" cy="460650"/>
+          </a:xfrm>
+          <a:prstGeom prst="rightBrace">
+            <a:avLst>
+              <a:gd name="adj1" fmla="val 48336"/>
+              <a:gd name="adj2" fmla="val 50000"/>
+            </a:avLst>
+          </a:prstGeom>
+        </p:spPr>
+        <p:style>
+          <a:lnRef idx="1">
+            <a:schemeClr val="dk1"/>
+          </a:lnRef>
+          <a:fillRef idx="0">
+            <a:schemeClr val="dk1"/>
+          </a:fillRef>
+          <a:effectRef idx="0">
+            <a:schemeClr val="dk1"/>
+          </a:effectRef>
+          <a:fontRef idx="minor">
+            <a:schemeClr val="tx1"/>
+          </a:fontRef>
+        </p:style>
+        <p:txBody>
+          <a:bodyPr rtlCol="0" anchor="ctr"/>
+          <a:lstStyle/>
+          <a:p>
+            <a:pPr algn="ctr"/>
+            <a:endParaRPr lang="en-US"/>
+          </a:p>
+        </p:txBody>
+      </p:sp>
+      <p:sp>
+        <p:nvSpPr>
+          <p:cNvPr id="89" name="Right Brace 88"/>
+          <p:cNvSpPr/>
+          <p:nvPr/>
+        </p:nvSpPr>
+        <p:spPr>
+          <a:xfrm>
+            <a:off x="4224549" y="3475143"/>
+            <a:ext cx="76561" cy="460650"/>
+          </a:xfrm>
+          <a:prstGeom prst="rightBrace">
+            <a:avLst>
+              <a:gd name="adj1" fmla="val 48336"/>
+              <a:gd name="adj2" fmla="val 50000"/>
+            </a:avLst>
+          </a:prstGeom>
+        </p:spPr>
+        <p:style>
+          <a:lnRef idx="1">
+            <a:schemeClr val="dk1"/>
+          </a:lnRef>
+          <a:fillRef idx="0">
+            <a:schemeClr val="dk1"/>
+          </a:fillRef>
+          <a:effectRef idx="0">
+            <a:schemeClr val="dk1"/>
+          </a:effectRef>
+          <a:fontRef idx="minor">
+            <a:schemeClr val="tx1"/>
+          </a:fontRef>
+        </p:style>
+        <p:txBody>
+          <a:bodyPr rtlCol="0" anchor="ctr"/>
+          <a:lstStyle/>
+          <a:p>
+            <a:pPr algn="ctr"/>
+            <a:endParaRPr lang="en-US"/>
+          </a:p>
+        </p:txBody>
+      </p:sp>
+      <p:sp>
+        <p:nvSpPr>
+          <p:cNvPr id="58" name="Rectangle 57"/>
+          <p:cNvSpPr/>
+          <p:nvPr/>
+        </p:nvSpPr>
+        <p:spPr>
+          <a:xfrm>
+            <a:off x="1145949" y="2666723"/>
+            <a:ext cx="284052" cy="101600"/>
+          </a:xfrm>
+          <a:prstGeom prst="rect">
+            <a:avLst/>
+          </a:prstGeom>
+        </p:spPr>
+        <p:style>
+          <a:lnRef idx="1">
+            <a:schemeClr val="accent4"/>
+          </a:lnRef>
+          <a:fillRef idx="2">
+            <a:schemeClr val="accent4"/>
+          </a:fillRef>
+          <a:effectRef idx="1">
+            <a:schemeClr val="accent4"/>
+          </a:effectRef>
+          <a:fontRef idx="minor">
+            <a:schemeClr val="dk1"/>
+          </a:fontRef>
+        </p:style>
+        <p:txBody>
+          <a:bodyPr rtlCol="0" anchor="ctr"/>
+          <a:lstStyle/>
+          <a:p>
+            <a:pPr algn="ctr"/>
+            <a:endParaRPr lang="en-US"/>
+          </a:p>
+        </p:txBody>
+      </p:sp>
+      <p:cxnSp>
+        <p:nvCxnSpPr>
+          <p:cNvPr id="60" name="Straight Connector 59"/>
+          <p:cNvCxnSpPr>
+            <a:stCxn id="58" idx="3"/>
+            <a:endCxn id="67" idx="1"/>
+          </p:cNvCxnSpPr>
+          <p:nvPr/>
+        </p:nvCxnSpPr>
+        <p:spPr>
+          <a:xfrm>
+            <a:off x="1430001" y="2717523"/>
+            <a:ext cx="545212" cy="0"/>
+          </a:xfrm>
+          <a:prstGeom prst="line">
+            <a:avLst/>
+          </a:prstGeom>
+        </p:spPr>
+        <p:style>
+          <a:lnRef idx="2">
+            <a:schemeClr val="dk1"/>
+          </a:lnRef>
+          <a:fillRef idx="0">
+            <a:schemeClr val="dk1"/>
+          </a:fillRef>
+          <a:effectRef idx="1">
+            <a:schemeClr val="dk1"/>
+          </a:effectRef>
+          <a:fontRef idx="minor">
+            <a:schemeClr val="tx1"/>
+          </a:fontRef>
+        </p:style>
+      </p:cxnSp>
+      <p:sp>
+        <p:nvSpPr>
+          <p:cNvPr id="66" name="Rectangle 65"/>
+          <p:cNvSpPr/>
+          <p:nvPr/>
+        </p:nvSpPr>
+        <p:spPr>
+          <a:xfrm>
+            <a:off x="1975213" y="2404169"/>
+            <a:ext cx="244880" cy="101600"/>
+          </a:xfrm>
+          <a:prstGeom prst="rect">
+            <a:avLst/>
+          </a:prstGeom>
+        </p:spPr>
+        <p:style>
+          <a:lnRef idx="1">
+            <a:schemeClr val="accent4"/>
+          </a:lnRef>
+          <a:fillRef idx="2">
+            <a:schemeClr val="accent4"/>
+          </a:fillRef>
+          <a:effectRef idx="1">
+            <a:schemeClr val="accent4"/>
+          </a:effectRef>
+          <a:fontRef idx="minor">
+            <a:schemeClr val="dk1"/>
+          </a:fontRef>
+        </p:style>
+        <p:txBody>
+          <a:bodyPr rtlCol="0" anchor="ctr"/>
+          <a:lstStyle/>
+          <a:p>
+            <a:pPr algn="ctr"/>
+            <a:endParaRPr lang="en-US"/>
+          </a:p>
+        </p:txBody>
+      </p:sp>
+      <p:sp>
+        <p:nvSpPr>
+          <p:cNvPr id="67" name="Rectangle 66"/>
+          <p:cNvSpPr/>
+          <p:nvPr/>
+        </p:nvSpPr>
+        <p:spPr>
+          <a:xfrm>
+            <a:off x="1975213" y="2666723"/>
+            <a:ext cx="244880" cy="101600"/>
+          </a:xfrm>
+          <a:prstGeom prst="rect">
+            <a:avLst/>
+          </a:prstGeom>
+        </p:spPr>
+        <p:style>
+          <a:lnRef idx="1">
+            <a:schemeClr val="accent4"/>
+          </a:lnRef>
+          <a:fillRef idx="2">
+            <a:schemeClr val="accent4"/>
+          </a:fillRef>
+          <a:effectRef idx="1">
+            <a:schemeClr val="accent4"/>
+          </a:effectRef>
+          <a:fontRef idx="minor">
+            <a:schemeClr val="dk1"/>
+          </a:fontRef>
+        </p:style>
+        <p:txBody>
+          <a:bodyPr rtlCol="0" anchor="ctr"/>
+          <a:lstStyle/>
+          <a:p>
+            <a:pPr algn="ctr"/>
+            <a:endParaRPr lang="en-US"/>
+          </a:p>
+        </p:txBody>
+      </p:sp>
+      <p:cxnSp>
+        <p:nvCxnSpPr>
+          <p:cNvPr id="68" name="Straight Connector 67"/>
+          <p:cNvCxnSpPr>
+            <a:stCxn id="8" idx="3"/>
+            <a:endCxn id="66" idx="1"/>
+          </p:cNvCxnSpPr>
+          <p:nvPr/>
+        </p:nvCxnSpPr>
+        <p:spPr>
+          <a:xfrm>
+            <a:off x="1822813" y="2454969"/>
+            <a:ext cx="152400" cy="0"/>
+          </a:xfrm>
+          <a:prstGeom prst="line">
+            <a:avLst/>
+          </a:prstGeom>
+        </p:spPr>
+        <p:style>
+          <a:lnRef idx="2">
+            <a:schemeClr val="dk1"/>
+          </a:lnRef>
+          <a:fillRef idx="0">
+            <a:schemeClr val="dk1"/>
+          </a:fillRef>
+          <a:effectRef idx="1">
+            <a:schemeClr val="dk1"/>
+          </a:effectRef>
+          <a:fontRef idx="minor">
+            <a:schemeClr val="tx1"/>
+          </a:fontRef>
+        </p:style>
+      </p:cxnSp>
+      <p:sp>
+        <p:nvSpPr>
+          <p:cNvPr id="69" name="Oval 68"/>
+          <p:cNvSpPr/>
+          <p:nvPr/>
+        </p:nvSpPr>
+        <p:spPr>
+          <a:xfrm>
+            <a:off x="3149662" y="2680754"/>
             <a:ext cx="64687" cy="64687"/>
           </a:xfrm>
           <a:prstGeom prst="ellipse">
@@ -6430,13 +7060,51 @@
       </p:sp>
       <p:sp>
         <p:nvSpPr>
-          <p:cNvPr id="62" name="Oval 61"/>
+          <p:cNvPr id="70" name="Oval 69"/>
           <p:cNvSpPr/>
           <p:nvPr/>
         </p:nvSpPr>
         <p:spPr>
           <a:xfrm>
-            <a:off x="2605086" y="2951619"/>
+            <a:off x="3418787" y="2632735"/>
+            <a:ext cx="161508" cy="161508"/>
+          </a:xfrm>
+          <a:prstGeom prst="ellipse">
+            <a:avLst/>
+          </a:prstGeom>
+        </p:spPr>
+        <p:style>
+          <a:lnRef idx="1">
+            <a:schemeClr val="accent2"/>
+          </a:lnRef>
+          <a:fillRef idx="2">
+            <a:schemeClr val="accent2"/>
+          </a:fillRef>
+          <a:effectRef idx="1">
+            <a:schemeClr val="accent2"/>
+          </a:effectRef>
+          <a:fontRef idx="minor">
+            <a:schemeClr val="dk1"/>
+          </a:fontRef>
+        </p:style>
+        <p:txBody>
+          <a:bodyPr rtlCol="0" anchor="ctr"/>
+          <a:lstStyle/>
+          <a:p>
+            <a:pPr algn="ctr"/>
+            <a:endParaRPr lang="en-US"/>
+          </a:p>
+        </p:txBody>
+      </p:sp>
+      <p:sp>
+        <p:nvSpPr>
+          <p:cNvPr id="73" name="Oval 72"/>
+          <p:cNvSpPr/>
+          <p:nvPr/>
+        </p:nvSpPr>
+        <p:spPr>
+          <a:xfrm>
+            <a:off x="2874834" y="2683596"/>
             <a:ext cx="64687" cy="64687"/>
           </a:xfrm>
           <a:prstGeom prst="ellipse">
@@ -6468,14 +7136,169 @@
       </p:sp>
       <p:sp>
         <p:nvSpPr>
-          <p:cNvPr id="63" name="Oval 62"/>
+          <p:cNvPr id="86" name="Oval 85"/>
           <p:cNvSpPr/>
           <p:nvPr/>
         </p:nvSpPr>
         <p:spPr>
           <a:xfrm>
-            <a:off x="4054138" y="2678935"/>
+            <a:off x="2605086" y="2683596"/>
             <a:ext cx="64687" cy="64687"/>
+          </a:xfrm>
+          <a:prstGeom prst="ellipse">
+            <a:avLst/>
+          </a:prstGeom>
+        </p:spPr>
+        <p:style>
+          <a:lnRef idx="1">
+            <a:schemeClr val="accent1"/>
+          </a:lnRef>
+          <a:fillRef idx="2">
+            <a:schemeClr val="accent1"/>
+          </a:fillRef>
+          <a:effectRef idx="1">
+            <a:schemeClr val="accent1"/>
+          </a:effectRef>
+          <a:fontRef idx="minor">
+            <a:schemeClr val="dk1"/>
+          </a:fontRef>
+        </p:style>
+        <p:txBody>
+          <a:bodyPr rtlCol="0" anchor="ctr"/>
+          <a:lstStyle/>
+          <a:p>
+            <a:pPr algn="ctr"/>
+            <a:endParaRPr lang="en-US"/>
+          </a:p>
+        </p:txBody>
+      </p:sp>
+      <p:sp>
+        <p:nvSpPr>
+          <p:cNvPr id="87" name="Right Brace 86"/>
+          <p:cNvSpPr/>
+          <p:nvPr/>
+        </p:nvSpPr>
+        <p:spPr>
+          <a:xfrm>
+            <a:off x="4224549" y="2351998"/>
+            <a:ext cx="76561" cy="460650"/>
+          </a:xfrm>
+          <a:prstGeom prst="rightBrace">
+            <a:avLst>
+              <a:gd name="adj1" fmla="val 48336"/>
+              <a:gd name="adj2" fmla="val 50000"/>
+            </a:avLst>
+          </a:prstGeom>
+        </p:spPr>
+        <p:style>
+          <a:lnRef idx="1">
+            <a:schemeClr val="dk1"/>
+          </a:lnRef>
+          <a:fillRef idx="0">
+            <a:schemeClr val="dk1"/>
+          </a:fillRef>
+          <a:effectRef idx="0">
+            <a:schemeClr val="dk1"/>
+          </a:effectRef>
+          <a:fontRef idx="minor">
+            <a:schemeClr val="tx1"/>
+          </a:fontRef>
+        </p:style>
+        <p:txBody>
+          <a:bodyPr rtlCol="0" anchor="ctr"/>
+          <a:lstStyle/>
+          <a:p>
+            <a:pPr algn="ctr"/>
+            <a:endParaRPr lang="en-US"/>
+          </a:p>
+        </p:txBody>
+      </p:sp>
+      <p:sp>
+        <p:nvSpPr>
+          <p:cNvPr id="95" name="Oval 94"/>
+          <p:cNvSpPr/>
+          <p:nvPr/>
+        </p:nvSpPr>
+        <p:spPr>
+          <a:xfrm>
+            <a:off x="2838506" y="2373777"/>
+            <a:ext cx="136191" cy="136191"/>
+          </a:xfrm>
+          <a:prstGeom prst="ellipse">
+            <a:avLst/>
+          </a:prstGeom>
+        </p:spPr>
+        <p:style>
+          <a:lnRef idx="1">
+            <a:schemeClr val="accent1"/>
+          </a:lnRef>
+          <a:fillRef idx="2">
+            <a:schemeClr val="accent1"/>
+          </a:fillRef>
+          <a:effectRef idx="1">
+            <a:schemeClr val="accent1"/>
+          </a:effectRef>
+          <a:fontRef idx="minor">
+            <a:schemeClr val="dk1"/>
+          </a:fontRef>
+        </p:style>
+        <p:txBody>
+          <a:bodyPr rtlCol="0" anchor="ctr"/>
+          <a:lstStyle/>
+          <a:p>
+            <a:pPr algn="ctr"/>
+            <a:endParaRPr lang="en-US"/>
+          </a:p>
+        </p:txBody>
+      </p:sp>
+      <p:sp>
+        <p:nvSpPr>
+          <p:cNvPr id="96" name="Oval 95"/>
+          <p:cNvSpPr/>
+          <p:nvPr/>
+        </p:nvSpPr>
+        <p:spPr>
+          <a:xfrm>
+            <a:off x="3111239" y="2376768"/>
+            <a:ext cx="136191" cy="136191"/>
+          </a:xfrm>
+          <a:prstGeom prst="ellipse">
+            <a:avLst/>
+          </a:prstGeom>
+        </p:spPr>
+        <p:style>
+          <a:lnRef idx="1">
+            <a:schemeClr val="accent1"/>
+          </a:lnRef>
+          <a:fillRef idx="2">
+            <a:schemeClr val="accent1"/>
+          </a:fillRef>
+          <a:effectRef idx="1">
+            <a:schemeClr val="accent1"/>
+          </a:effectRef>
+          <a:fontRef idx="minor">
+            <a:schemeClr val="dk1"/>
+          </a:fontRef>
+        </p:style>
+        <p:txBody>
+          <a:bodyPr rtlCol="0" anchor="ctr"/>
+          <a:lstStyle/>
+          <a:p>
+            <a:pPr algn="ctr"/>
+            <a:endParaRPr lang="en-US"/>
+          </a:p>
+        </p:txBody>
+      </p:sp>
+      <p:sp>
+        <p:nvSpPr>
+          <p:cNvPr id="97" name="Oval 96"/>
+          <p:cNvSpPr/>
+          <p:nvPr/>
+        </p:nvSpPr>
+        <p:spPr>
+          <a:xfrm>
+            <a:off x="3711638" y="2636769"/>
+            <a:ext cx="161508" cy="161508"/>
           </a:xfrm>
           <a:prstGeom prst="ellipse">
             <a:avLst/>
@@ -6506,14 +7329,14 @@
       </p:sp>
       <p:sp>
         <p:nvSpPr>
-          <p:cNvPr id="64" name="Oval 63"/>
+          <p:cNvPr id="98" name="Oval 97"/>
           <p:cNvSpPr/>
           <p:nvPr/>
         </p:nvSpPr>
         <p:spPr>
           <a:xfrm>
-            <a:off x="3776181" y="2682687"/>
-            <a:ext cx="64687" cy="64687"/>
+            <a:off x="3998673" y="2636769"/>
+            <a:ext cx="161508" cy="161508"/>
           </a:xfrm>
           <a:prstGeom prst="ellipse">
             <a:avLst/>
@@ -6542,582 +7365,468 @@
           </a:p>
         </p:txBody>
       </p:sp>
-      <p:sp>
-        <p:nvSpPr>
-          <p:cNvPr id="65" name="Oval 64"/>
-          <p:cNvSpPr/>
-          <p:nvPr/>
-        </p:nvSpPr>
-        <p:spPr>
-          <a:xfrm>
-            <a:off x="3490976" y="2682687"/>
-            <a:ext cx="64687" cy="64687"/>
-          </a:xfrm>
-          <a:prstGeom prst="ellipse">
-            <a:avLst/>
-          </a:prstGeom>
-        </p:spPr>
-        <p:style>
-          <a:lnRef idx="1">
-            <a:schemeClr val="accent2"/>
-          </a:lnRef>
-          <a:fillRef idx="2">
-            <a:schemeClr val="accent2"/>
-          </a:fillRef>
-          <a:effectRef idx="1">
-            <a:schemeClr val="accent2"/>
-          </a:effectRef>
-          <a:fontRef idx="minor">
-            <a:schemeClr val="dk1"/>
-          </a:fontRef>
-        </p:style>
-        <p:txBody>
-          <a:bodyPr rtlCol="0" anchor="ctr"/>
-          <a:lstStyle/>
-          <a:p>
-            <a:pPr algn="ctr"/>
-            <a:endParaRPr lang="en-US"/>
-          </a:p>
-        </p:txBody>
-      </p:sp>
-      <p:sp>
-        <p:nvSpPr>
-          <p:cNvPr id="74" name="Oval 73"/>
-          <p:cNvSpPr/>
-          <p:nvPr/>
-        </p:nvSpPr>
-        <p:spPr>
-          <a:xfrm>
-            <a:off x="2528337" y="3173146"/>
-            <a:ext cx="212972" cy="212972"/>
-          </a:xfrm>
-          <a:prstGeom prst="ellipse">
-            <a:avLst/>
-          </a:prstGeom>
-        </p:spPr>
-        <p:style>
-          <a:lnRef idx="1">
-            <a:schemeClr val="accent1"/>
-          </a:lnRef>
-          <a:fillRef idx="2">
-            <a:schemeClr val="accent1"/>
-          </a:fillRef>
-          <a:effectRef idx="1">
-            <a:schemeClr val="accent1"/>
-          </a:effectRef>
-          <a:fontRef idx="minor">
-            <a:schemeClr val="dk1"/>
-          </a:fontRef>
-        </p:style>
-        <p:txBody>
-          <a:bodyPr rtlCol="0" anchor="ctr"/>
-          <a:lstStyle/>
-          <a:p>
-            <a:pPr algn="ctr"/>
-            <a:endParaRPr lang="en-US"/>
-          </a:p>
-        </p:txBody>
-      </p:sp>
-      <p:sp>
-        <p:nvSpPr>
-          <p:cNvPr id="75" name="Oval 74"/>
-          <p:cNvSpPr/>
-          <p:nvPr/>
-        </p:nvSpPr>
-        <p:spPr>
-          <a:xfrm>
-            <a:off x="2810887" y="3173146"/>
-            <a:ext cx="212972" cy="212972"/>
-          </a:xfrm>
-          <a:prstGeom prst="ellipse">
-            <a:avLst/>
-          </a:prstGeom>
-        </p:spPr>
-        <p:style>
-          <a:lnRef idx="1">
-            <a:schemeClr val="accent1"/>
-          </a:lnRef>
-          <a:fillRef idx="2">
-            <a:schemeClr val="accent1"/>
-          </a:fillRef>
-          <a:effectRef idx="1">
-            <a:schemeClr val="accent1"/>
-          </a:effectRef>
-          <a:fontRef idx="minor">
-            <a:schemeClr val="dk1"/>
-          </a:fontRef>
-        </p:style>
-        <p:txBody>
-          <a:bodyPr rtlCol="0" anchor="ctr"/>
-          <a:lstStyle/>
-          <a:p>
-            <a:pPr algn="ctr"/>
-            <a:endParaRPr lang="en-US"/>
-          </a:p>
-        </p:txBody>
-      </p:sp>
-      <p:sp>
-        <p:nvSpPr>
-          <p:cNvPr id="76" name="Oval 75"/>
-          <p:cNvSpPr/>
-          <p:nvPr/>
-        </p:nvSpPr>
-        <p:spPr>
-          <a:xfrm>
-            <a:off x="3090906" y="3173146"/>
-            <a:ext cx="212972" cy="212972"/>
-          </a:xfrm>
-          <a:prstGeom prst="ellipse">
-            <a:avLst/>
-          </a:prstGeom>
-        </p:spPr>
-        <p:style>
-          <a:lnRef idx="1">
-            <a:schemeClr val="accent1"/>
-          </a:lnRef>
-          <a:fillRef idx="2">
-            <a:schemeClr val="accent1"/>
-          </a:fillRef>
-          <a:effectRef idx="1">
-            <a:schemeClr val="accent1"/>
-          </a:effectRef>
-          <a:fontRef idx="minor">
-            <a:schemeClr val="dk1"/>
-          </a:fontRef>
-        </p:style>
-        <p:txBody>
-          <a:bodyPr rtlCol="0" anchor="ctr"/>
-          <a:lstStyle/>
-          <a:p>
-            <a:pPr algn="ctr"/>
-            <a:endParaRPr lang="en-US"/>
-          </a:p>
-        </p:txBody>
-      </p:sp>
-      <p:sp>
-        <p:nvSpPr>
-          <p:cNvPr id="77" name="Oval 76"/>
-          <p:cNvSpPr/>
-          <p:nvPr/>
-        </p:nvSpPr>
-        <p:spPr>
-          <a:xfrm>
-            <a:off x="4054138" y="3248309"/>
-            <a:ext cx="64687" cy="64687"/>
-          </a:xfrm>
-          <a:prstGeom prst="ellipse">
-            <a:avLst/>
-          </a:prstGeom>
-        </p:spPr>
-        <p:style>
-          <a:lnRef idx="1">
-            <a:schemeClr val="accent2"/>
-          </a:lnRef>
-          <a:fillRef idx="2">
-            <a:schemeClr val="accent2"/>
-          </a:fillRef>
-          <a:effectRef idx="1">
-            <a:schemeClr val="accent2"/>
-          </a:effectRef>
-          <a:fontRef idx="minor">
-            <a:schemeClr val="dk1"/>
-          </a:fontRef>
-        </p:style>
-        <p:txBody>
-          <a:bodyPr rtlCol="0" anchor="ctr"/>
-          <a:lstStyle/>
-          <a:p>
-            <a:pPr algn="ctr"/>
-            <a:endParaRPr lang="en-US"/>
-          </a:p>
-        </p:txBody>
-      </p:sp>
-      <p:sp>
-        <p:nvSpPr>
-          <p:cNvPr id="78" name="Oval 77"/>
-          <p:cNvSpPr/>
-          <p:nvPr/>
-        </p:nvSpPr>
-        <p:spPr>
-          <a:xfrm>
-            <a:off x="3776181" y="3252061"/>
-            <a:ext cx="64687" cy="64687"/>
-          </a:xfrm>
-          <a:prstGeom prst="ellipse">
-            <a:avLst/>
-          </a:prstGeom>
-        </p:spPr>
-        <p:style>
-          <a:lnRef idx="1">
-            <a:schemeClr val="accent2"/>
-          </a:lnRef>
-          <a:fillRef idx="2">
-            <a:schemeClr val="accent2"/>
-          </a:fillRef>
-          <a:effectRef idx="1">
-            <a:schemeClr val="accent2"/>
-          </a:effectRef>
-          <a:fontRef idx="minor">
-            <a:schemeClr val="dk1"/>
-          </a:fontRef>
-        </p:style>
-        <p:txBody>
-          <a:bodyPr rtlCol="0" anchor="ctr"/>
-          <a:lstStyle/>
-          <a:p>
-            <a:pPr algn="ctr"/>
-            <a:endParaRPr lang="en-US"/>
-          </a:p>
-        </p:txBody>
-      </p:sp>
-      <p:sp>
-        <p:nvSpPr>
-          <p:cNvPr id="79" name="Oval 78"/>
-          <p:cNvSpPr/>
-          <p:nvPr/>
-        </p:nvSpPr>
-        <p:spPr>
-          <a:xfrm>
-            <a:off x="3490976" y="3252061"/>
-            <a:ext cx="64687" cy="64687"/>
-          </a:xfrm>
-          <a:prstGeom prst="ellipse">
-            <a:avLst/>
-          </a:prstGeom>
-        </p:spPr>
-        <p:style>
-          <a:lnRef idx="1">
-            <a:schemeClr val="accent2"/>
-          </a:lnRef>
-          <a:fillRef idx="2">
-            <a:schemeClr val="accent2"/>
-          </a:fillRef>
-          <a:effectRef idx="1">
-            <a:schemeClr val="accent2"/>
-          </a:effectRef>
-          <a:fontRef idx="minor">
-            <a:schemeClr val="dk1"/>
-          </a:fontRef>
-        </p:style>
-        <p:txBody>
-          <a:bodyPr rtlCol="0" anchor="ctr"/>
-          <a:lstStyle/>
-          <a:p>
-            <a:pPr algn="ctr"/>
-            <a:endParaRPr lang="en-US"/>
-          </a:p>
-        </p:txBody>
-      </p:sp>
-      <p:sp>
-        <p:nvSpPr>
-          <p:cNvPr id="80" name="Oval 79"/>
-          <p:cNvSpPr/>
-          <p:nvPr/>
-        </p:nvSpPr>
-        <p:spPr>
-          <a:xfrm>
-            <a:off x="3149662" y="3501652"/>
-            <a:ext cx="64687" cy="64687"/>
-          </a:xfrm>
-          <a:prstGeom prst="ellipse">
-            <a:avLst/>
-          </a:prstGeom>
-        </p:spPr>
-        <p:style>
-          <a:lnRef idx="1">
-            <a:schemeClr val="accent1"/>
-          </a:lnRef>
-          <a:fillRef idx="2">
-            <a:schemeClr val="accent1"/>
-          </a:fillRef>
-          <a:effectRef idx="1">
-            <a:schemeClr val="accent1"/>
-          </a:effectRef>
-          <a:fontRef idx="minor">
-            <a:schemeClr val="dk1"/>
-          </a:fontRef>
-        </p:style>
-        <p:txBody>
-          <a:bodyPr rtlCol="0" anchor="ctr"/>
-          <a:lstStyle/>
-          <a:p>
-            <a:pPr algn="ctr"/>
-            <a:endParaRPr lang="en-US"/>
-          </a:p>
-        </p:txBody>
-      </p:sp>
-      <p:sp>
-        <p:nvSpPr>
-          <p:cNvPr id="81" name="Oval 80"/>
-          <p:cNvSpPr/>
-          <p:nvPr/>
-        </p:nvSpPr>
-        <p:spPr>
-          <a:xfrm>
-            <a:off x="3405829" y="3427713"/>
-            <a:ext cx="212972" cy="212972"/>
-          </a:xfrm>
-          <a:prstGeom prst="ellipse">
-            <a:avLst/>
-          </a:prstGeom>
-        </p:spPr>
-        <p:style>
-          <a:lnRef idx="1">
-            <a:schemeClr val="accent2"/>
-          </a:lnRef>
-          <a:fillRef idx="2">
-            <a:schemeClr val="accent2"/>
-          </a:fillRef>
-          <a:effectRef idx="1">
-            <a:schemeClr val="accent2"/>
-          </a:effectRef>
-          <a:fontRef idx="minor">
-            <a:schemeClr val="dk1"/>
-          </a:fontRef>
-        </p:style>
-        <p:txBody>
-          <a:bodyPr rtlCol="0" anchor="ctr"/>
-          <a:lstStyle/>
-          <a:p>
-            <a:pPr algn="ctr"/>
-            <a:endParaRPr lang="en-US"/>
-          </a:p>
-        </p:txBody>
-      </p:sp>
-      <p:sp>
-        <p:nvSpPr>
-          <p:cNvPr id="82" name="Oval 81"/>
-          <p:cNvSpPr/>
-          <p:nvPr/>
-        </p:nvSpPr>
-        <p:spPr>
-          <a:xfrm>
-            <a:off x="3688379" y="3427713"/>
-            <a:ext cx="212972" cy="212972"/>
-          </a:xfrm>
-          <a:prstGeom prst="ellipse">
-            <a:avLst/>
-          </a:prstGeom>
-        </p:spPr>
-        <p:style>
-          <a:lnRef idx="1">
-            <a:schemeClr val="accent2"/>
-          </a:lnRef>
-          <a:fillRef idx="2">
-            <a:schemeClr val="accent2"/>
-          </a:fillRef>
-          <a:effectRef idx="1">
-            <a:schemeClr val="accent2"/>
-          </a:effectRef>
-          <a:fontRef idx="minor">
-            <a:schemeClr val="dk1"/>
-          </a:fontRef>
-        </p:style>
-        <p:txBody>
-          <a:bodyPr rtlCol="0" anchor="ctr"/>
-          <a:lstStyle/>
-          <a:p>
-            <a:pPr algn="ctr"/>
-            <a:endParaRPr lang="en-US"/>
-          </a:p>
-        </p:txBody>
-      </p:sp>
-      <p:sp>
-        <p:nvSpPr>
-          <p:cNvPr id="83" name="Oval 82"/>
-          <p:cNvSpPr/>
-          <p:nvPr/>
-        </p:nvSpPr>
-        <p:spPr>
-          <a:xfrm>
-            <a:off x="3968398" y="3427713"/>
-            <a:ext cx="212972" cy="212972"/>
-          </a:xfrm>
-          <a:prstGeom prst="ellipse">
-            <a:avLst/>
-          </a:prstGeom>
-        </p:spPr>
-        <p:style>
-          <a:lnRef idx="1">
-            <a:schemeClr val="accent2"/>
-          </a:lnRef>
-          <a:fillRef idx="2">
-            <a:schemeClr val="accent2"/>
-          </a:fillRef>
-          <a:effectRef idx="1">
-            <a:schemeClr val="accent2"/>
-          </a:effectRef>
-          <a:fontRef idx="minor">
-            <a:schemeClr val="dk1"/>
-          </a:fontRef>
-        </p:style>
-        <p:txBody>
-          <a:bodyPr rtlCol="0" anchor="ctr"/>
-          <a:lstStyle/>
-          <a:p>
-            <a:pPr algn="ctr"/>
-            <a:endParaRPr lang="en-US"/>
-          </a:p>
-        </p:txBody>
-      </p:sp>
-      <p:sp>
-        <p:nvSpPr>
-          <p:cNvPr id="84" name="Oval 83"/>
-          <p:cNvSpPr/>
-          <p:nvPr/>
-        </p:nvSpPr>
-        <p:spPr>
-          <a:xfrm>
-            <a:off x="2874834" y="3504494"/>
-            <a:ext cx="64687" cy="64687"/>
-          </a:xfrm>
-          <a:prstGeom prst="ellipse">
-            <a:avLst/>
-          </a:prstGeom>
-        </p:spPr>
-        <p:style>
-          <a:lnRef idx="1">
-            <a:schemeClr val="accent1"/>
-          </a:lnRef>
-          <a:fillRef idx="2">
-            <a:schemeClr val="accent1"/>
-          </a:fillRef>
-          <a:effectRef idx="1">
-            <a:schemeClr val="accent1"/>
-          </a:effectRef>
-          <a:fontRef idx="minor">
-            <a:schemeClr val="dk1"/>
-          </a:fontRef>
-        </p:style>
-        <p:txBody>
-          <a:bodyPr rtlCol="0" anchor="ctr"/>
-          <a:lstStyle/>
-          <a:p>
-            <a:pPr algn="ctr"/>
-            <a:endParaRPr lang="en-US"/>
-          </a:p>
-        </p:txBody>
-      </p:sp>
-      <p:sp>
-        <p:nvSpPr>
-          <p:cNvPr id="85" name="Oval 84"/>
-          <p:cNvSpPr/>
-          <p:nvPr/>
-        </p:nvSpPr>
-        <p:spPr>
-          <a:xfrm>
-            <a:off x="2605086" y="3504494"/>
-            <a:ext cx="64687" cy="64687"/>
-          </a:xfrm>
-          <a:prstGeom prst="ellipse">
-            <a:avLst/>
-          </a:prstGeom>
-        </p:spPr>
-        <p:style>
-          <a:lnRef idx="1">
-            <a:schemeClr val="accent1"/>
-          </a:lnRef>
-          <a:fillRef idx="2">
-            <a:schemeClr val="accent1"/>
-          </a:fillRef>
-          <a:effectRef idx="1">
-            <a:schemeClr val="accent1"/>
-          </a:effectRef>
-          <a:fontRef idx="minor">
-            <a:schemeClr val="dk1"/>
-          </a:fontRef>
-        </p:style>
-        <p:txBody>
-          <a:bodyPr rtlCol="0" anchor="ctr"/>
-          <a:lstStyle/>
-          <a:p>
-            <a:pPr algn="ctr"/>
-            <a:endParaRPr lang="en-US"/>
-          </a:p>
-        </p:txBody>
-      </p:sp>
-      <p:sp>
-        <p:nvSpPr>
-          <p:cNvPr id="88" name="Right Brace 87"/>
-          <p:cNvSpPr/>
-          <p:nvPr/>
-        </p:nvSpPr>
-        <p:spPr>
-          <a:xfrm>
-            <a:off x="4239490" y="2654582"/>
-            <a:ext cx="76561" cy="460650"/>
-          </a:xfrm>
-          <a:prstGeom prst="rightBrace">
-            <a:avLst>
-              <a:gd name="adj1" fmla="val 48336"/>
-              <a:gd name="adj2" fmla="val 50000"/>
-            </a:avLst>
-          </a:prstGeom>
-        </p:spPr>
-        <p:style>
-          <a:lnRef idx="1">
-            <a:schemeClr val="dk1"/>
-          </a:lnRef>
-          <a:fillRef idx="0">
-            <a:schemeClr val="dk1"/>
-          </a:fillRef>
-          <a:effectRef idx="0">
-            <a:schemeClr val="dk1"/>
-          </a:effectRef>
-          <a:fontRef idx="minor">
-            <a:schemeClr val="tx1"/>
-          </a:fontRef>
-        </p:style>
-        <p:txBody>
-          <a:bodyPr rtlCol="0" anchor="ctr"/>
-          <a:lstStyle/>
-          <a:p>
-            <a:pPr algn="ctr"/>
-            <a:endParaRPr lang="en-US"/>
-          </a:p>
-        </p:txBody>
-      </p:sp>
-      <p:sp>
-        <p:nvSpPr>
-          <p:cNvPr id="89" name="Right Brace 88"/>
-          <p:cNvSpPr/>
-          <p:nvPr/>
-        </p:nvSpPr>
-        <p:spPr>
-          <a:xfrm>
-            <a:off x="4262830" y="3197388"/>
-            <a:ext cx="76561" cy="460650"/>
-          </a:xfrm>
-          <a:prstGeom prst="rightBrace">
-            <a:avLst>
-              <a:gd name="adj1" fmla="val 48336"/>
-              <a:gd name="adj2" fmla="val 50000"/>
-            </a:avLst>
-          </a:prstGeom>
-        </p:spPr>
-        <p:style>
-          <a:lnRef idx="1">
-            <a:schemeClr val="dk1"/>
-          </a:lnRef>
-          <a:fillRef idx="0">
-            <a:schemeClr val="dk1"/>
-          </a:fillRef>
-          <a:effectRef idx="0">
-            <a:schemeClr val="dk1"/>
-          </a:effectRef>
-          <a:fontRef idx="minor">
-            <a:schemeClr val="tx1"/>
-          </a:fontRef>
-        </p:style>
-        <p:txBody>
-          <a:bodyPr rtlCol="0" anchor="ctr"/>
-          <a:lstStyle/>
-          <a:p>
-            <a:pPr algn="ctr"/>
-            <a:endParaRPr lang="en-US"/>
-          </a:p>
-        </p:txBody>
-      </p:sp>
+      <p:grpSp>
+        <p:nvGrpSpPr>
+          <p:cNvPr id="30" name="Group 29"/>
+          <p:cNvGrpSpPr/>
+          <p:nvPr/>
+        </p:nvGrpSpPr>
+        <p:grpSpPr>
+          <a:xfrm>
+            <a:off x="2578715" y="2959566"/>
+            <a:ext cx="115050" cy="116596"/>
+            <a:chOff x="2575540" y="2959566"/>
+            <a:chExt cx="115050" cy="116596"/>
+          </a:xfrm>
+        </p:grpSpPr>
+        <p:cxnSp>
+          <p:nvCxnSpPr>
+            <p:cNvPr id="27" name="Straight Connector 26"/>
+            <p:cNvCxnSpPr/>
+            <p:nvPr/>
+          </p:nvCxnSpPr>
+          <p:spPr>
+            <a:xfrm>
+              <a:off x="2575540" y="2959566"/>
+              <a:ext cx="115050" cy="115050"/>
+            </a:xfrm>
+            <a:prstGeom prst="line">
+              <a:avLst/>
+            </a:prstGeom>
+            <a:ln w="3175"/>
+          </p:spPr>
+          <p:style>
+            <a:lnRef idx="1">
+              <a:schemeClr val="accent1"/>
+            </a:lnRef>
+            <a:fillRef idx="0">
+              <a:schemeClr val="accent1"/>
+            </a:fillRef>
+            <a:effectRef idx="0">
+              <a:schemeClr val="accent1"/>
+            </a:effectRef>
+            <a:fontRef idx="minor">
+              <a:schemeClr val="tx1"/>
+            </a:fontRef>
+          </p:style>
+        </p:cxnSp>
+        <p:cxnSp>
+          <p:nvCxnSpPr>
+            <p:cNvPr id="99" name="Straight Connector 98"/>
+            <p:cNvCxnSpPr/>
+            <p:nvPr/>
+          </p:nvCxnSpPr>
+          <p:spPr>
+            <a:xfrm flipV="1">
+              <a:off x="2575540" y="2959566"/>
+              <a:ext cx="115050" cy="116596"/>
+            </a:xfrm>
+            <a:prstGeom prst="line">
+              <a:avLst/>
+            </a:prstGeom>
+            <a:ln w="3175"/>
+          </p:spPr>
+          <p:style>
+            <a:lnRef idx="1">
+              <a:schemeClr val="accent1"/>
+            </a:lnRef>
+            <a:fillRef idx="0">
+              <a:schemeClr val="accent1"/>
+            </a:fillRef>
+            <a:effectRef idx="0">
+              <a:schemeClr val="accent1"/>
+            </a:effectRef>
+            <a:fontRef idx="minor">
+              <a:schemeClr val="tx1"/>
+            </a:fontRef>
+          </p:style>
+        </p:cxnSp>
+      </p:grpSp>
+      <p:grpSp>
+        <p:nvGrpSpPr>
+          <p:cNvPr id="100" name="Group 99"/>
+          <p:cNvGrpSpPr/>
+          <p:nvPr/>
+        </p:nvGrpSpPr>
+        <p:grpSpPr>
+          <a:xfrm>
+            <a:off x="2846165" y="2958020"/>
+            <a:ext cx="115050" cy="116596"/>
+            <a:chOff x="2575540" y="2959566"/>
+            <a:chExt cx="115050" cy="116596"/>
+          </a:xfrm>
+        </p:grpSpPr>
+        <p:cxnSp>
+          <p:nvCxnSpPr>
+            <p:cNvPr id="101" name="Straight Connector 100"/>
+            <p:cNvCxnSpPr/>
+            <p:nvPr/>
+          </p:nvCxnSpPr>
+          <p:spPr>
+            <a:xfrm>
+              <a:off x="2575540" y="2959566"/>
+              <a:ext cx="115050" cy="115050"/>
+            </a:xfrm>
+            <a:prstGeom prst="line">
+              <a:avLst/>
+            </a:prstGeom>
+            <a:ln w="3175"/>
+          </p:spPr>
+          <p:style>
+            <a:lnRef idx="1">
+              <a:schemeClr val="accent1"/>
+            </a:lnRef>
+            <a:fillRef idx="0">
+              <a:schemeClr val="accent1"/>
+            </a:fillRef>
+            <a:effectRef idx="0">
+              <a:schemeClr val="accent1"/>
+            </a:effectRef>
+            <a:fontRef idx="minor">
+              <a:schemeClr val="tx1"/>
+            </a:fontRef>
+          </p:style>
+        </p:cxnSp>
+        <p:cxnSp>
+          <p:nvCxnSpPr>
+            <p:cNvPr id="102" name="Straight Connector 101"/>
+            <p:cNvCxnSpPr/>
+            <p:nvPr/>
+          </p:nvCxnSpPr>
+          <p:spPr>
+            <a:xfrm flipV="1">
+              <a:off x="2575540" y="2959566"/>
+              <a:ext cx="115050" cy="116596"/>
+            </a:xfrm>
+            <a:prstGeom prst="line">
+              <a:avLst/>
+            </a:prstGeom>
+            <a:ln w="3175"/>
+          </p:spPr>
+          <p:style>
+            <a:lnRef idx="1">
+              <a:schemeClr val="accent1"/>
+            </a:lnRef>
+            <a:fillRef idx="0">
+              <a:schemeClr val="accent1"/>
+            </a:fillRef>
+            <a:effectRef idx="0">
+              <a:schemeClr val="accent1"/>
+            </a:effectRef>
+            <a:fontRef idx="minor">
+              <a:schemeClr val="tx1"/>
+            </a:fontRef>
+          </p:style>
+        </p:cxnSp>
+      </p:grpSp>
+      <p:grpSp>
+        <p:nvGrpSpPr>
+          <p:cNvPr id="103" name="Group 102"/>
+          <p:cNvGrpSpPr/>
+          <p:nvPr/>
+        </p:nvGrpSpPr>
+        <p:grpSpPr>
+          <a:xfrm>
+            <a:off x="3121810" y="2959566"/>
+            <a:ext cx="115050" cy="116596"/>
+            <a:chOff x="2575540" y="2959566"/>
+            <a:chExt cx="115050" cy="116596"/>
+          </a:xfrm>
+        </p:grpSpPr>
+        <p:cxnSp>
+          <p:nvCxnSpPr>
+            <p:cNvPr id="104" name="Straight Connector 103"/>
+            <p:cNvCxnSpPr/>
+            <p:nvPr/>
+          </p:nvCxnSpPr>
+          <p:spPr>
+            <a:xfrm>
+              <a:off x="2575540" y="2959566"/>
+              <a:ext cx="115050" cy="115050"/>
+            </a:xfrm>
+            <a:prstGeom prst="line">
+              <a:avLst/>
+            </a:prstGeom>
+            <a:ln w="3175"/>
+          </p:spPr>
+          <p:style>
+            <a:lnRef idx="1">
+              <a:schemeClr val="accent1"/>
+            </a:lnRef>
+            <a:fillRef idx="0">
+              <a:schemeClr val="accent1"/>
+            </a:fillRef>
+            <a:effectRef idx="0">
+              <a:schemeClr val="accent1"/>
+            </a:effectRef>
+            <a:fontRef idx="minor">
+              <a:schemeClr val="tx1"/>
+            </a:fontRef>
+          </p:style>
+        </p:cxnSp>
+        <p:cxnSp>
+          <p:nvCxnSpPr>
+            <p:cNvPr id="105" name="Straight Connector 104"/>
+            <p:cNvCxnSpPr/>
+            <p:nvPr/>
+          </p:nvCxnSpPr>
+          <p:spPr>
+            <a:xfrm flipV="1">
+              <a:off x="2575540" y="2959566"/>
+              <a:ext cx="115050" cy="116596"/>
+            </a:xfrm>
+            <a:prstGeom prst="line">
+              <a:avLst/>
+            </a:prstGeom>
+            <a:ln w="3175"/>
+          </p:spPr>
+          <p:style>
+            <a:lnRef idx="1">
+              <a:schemeClr val="accent1"/>
+            </a:lnRef>
+            <a:fillRef idx="0">
+              <a:schemeClr val="accent1"/>
+            </a:fillRef>
+            <a:effectRef idx="0">
+              <a:schemeClr val="accent1"/>
+            </a:effectRef>
+            <a:fontRef idx="minor">
+              <a:schemeClr val="tx1"/>
+            </a:fontRef>
+          </p:style>
+        </p:cxnSp>
+      </p:grpSp>
+      <p:grpSp>
+        <p:nvGrpSpPr>
+          <p:cNvPr id="109" name="Group 108"/>
+          <p:cNvGrpSpPr/>
+          <p:nvPr/>
+        </p:nvGrpSpPr>
+        <p:grpSpPr>
+          <a:xfrm>
+            <a:off x="3445886" y="2959566"/>
+            <a:ext cx="115050" cy="116596"/>
+            <a:chOff x="2575540" y="2959566"/>
+            <a:chExt cx="115050" cy="116596"/>
+          </a:xfrm>
+        </p:grpSpPr>
+        <p:cxnSp>
+          <p:nvCxnSpPr>
+            <p:cNvPr id="110" name="Straight Connector 109"/>
+            <p:cNvCxnSpPr/>
+            <p:nvPr/>
+          </p:nvCxnSpPr>
+          <p:spPr>
+            <a:xfrm>
+              <a:off x="2575540" y="2959566"/>
+              <a:ext cx="115050" cy="115050"/>
+            </a:xfrm>
+            <a:prstGeom prst="line">
+              <a:avLst/>
+            </a:prstGeom>
+            <a:ln w="3175"/>
+          </p:spPr>
+          <p:style>
+            <a:lnRef idx="1">
+              <a:schemeClr val="accent2"/>
+            </a:lnRef>
+            <a:fillRef idx="0">
+              <a:schemeClr val="accent2"/>
+            </a:fillRef>
+            <a:effectRef idx="0">
+              <a:schemeClr val="accent2"/>
+            </a:effectRef>
+            <a:fontRef idx="minor">
+              <a:schemeClr val="tx1"/>
+            </a:fontRef>
+          </p:style>
+        </p:cxnSp>
+        <p:cxnSp>
+          <p:nvCxnSpPr>
+            <p:cNvPr id="111" name="Straight Connector 110"/>
+            <p:cNvCxnSpPr/>
+            <p:nvPr/>
+          </p:nvCxnSpPr>
+          <p:spPr>
+            <a:xfrm flipV="1">
+              <a:off x="2575540" y="2959566"/>
+              <a:ext cx="115050" cy="116596"/>
+            </a:xfrm>
+            <a:prstGeom prst="line">
+              <a:avLst/>
+            </a:prstGeom>
+            <a:ln w="3175"/>
+          </p:spPr>
+          <p:style>
+            <a:lnRef idx="1">
+              <a:schemeClr val="accent2"/>
+            </a:lnRef>
+            <a:fillRef idx="0">
+              <a:schemeClr val="accent2"/>
+            </a:fillRef>
+            <a:effectRef idx="0">
+              <a:schemeClr val="accent2"/>
+            </a:effectRef>
+            <a:fontRef idx="minor">
+              <a:schemeClr val="tx1"/>
+            </a:fontRef>
+          </p:style>
+        </p:cxnSp>
+      </p:grpSp>
+      <p:grpSp>
+        <p:nvGrpSpPr>
+          <p:cNvPr id="112" name="Group 111"/>
+          <p:cNvGrpSpPr/>
+          <p:nvPr/>
+        </p:nvGrpSpPr>
+        <p:grpSpPr>
+          <a:xfrm>
+            <a:off x="3740292" y="2959566"/>
+            <a:ext cx="115050" cy="116596"/>
+            <a:chOff x="2575540" y="2959566"/>
+            <a:chExt cx="115050" cy="116596"/>
+          </a:xfrm>
+        </p:grpSpPr>
+        <p:cxnSp>
+          <p:nvCxnSpPr>
+            <p:cNvPr id="113" name="Straight Connector 112"/>
+            <p:cNvCxnSpPr/>
+            <p:nvPr/>
+          </p:nvCxnSpPr>
+          <p:spPr>
+            <a:xfrm>
+              <a:off x="2575540" y="2959566"/>
+              <a:ext cx="115050" cy="115050"/>
+            </a:xfrm>
+            <a:prstGeom prst="line">
+              <a:avLst/>
+            </a:prstGeom>
+            <a:ln w="3175"/>
+          </p:spPr>
+          <p:style>
+            <a:lnRef idx="1">
+              <a:schemeClr val="accent2"/>
+            </a:lnRef>
+            <a:fillRef idx="0">
+              <a:schemeClr val="accent2"/>
+            </a:fillRef>
+            <a:effectRef idx="0">
+              <a:schemeClr val="accent2"/>
+            </a:effectRef>
+            <a:fontRef idx="minor">
+              <a:schemeClr val="tx1"/>
+            </a:fontRef>
+          </p:style>
+        </p:cxnSp>
+        <p:cxnSp>
+          <p:nvCxnSpPr>
+            <p:cNvPr id="114" name="Straight Connector 113"/>
+            <p:cNvCxnSpPr/>
+            <p:nvPr/>
+          </p:nvCxnSpPr>
+          <p:spPr>
+            <a:xfrm flipV="1">
+              <a:off x="2575540" y="2959566"/>
+              <a:ext cx="115050" cy="116596"/>
+            </a:xfrm>
+            <a:prstGeom prst="line">
+              <a:avLst/>
+            </a:prstGeom>
+            <a:ln w="3175"/>
+          </p:spPr>
+          <p:style>
+            <a:lnRef idx="1">
+              <a:schemeClr val="accent2"/>
+            </a:lnRef>
+            <a:fillRef idx="0">
+              <a:schemeClr val="accent2"/>
+            </a:fillRef>
+            <a:effectRef idx="0">
+              <a:schemeClr val="accent2"/>
+            </a:effectRef>
+            <a:fontRef idx="minor">
+              <a:schemeClr val="tx1"/>
+            </a:fontRef>
+          </p:style>
+        </p:cxnSp>
+      </p:grpSp>
+      <p:grpSp>
+        <p:nvGrpSpPr>
+          <p:cNvPr id="115" name="Group 114"/>
+          <p:cNvGrpSpPr/>
+          <p:nvPr/>
+        </p:nvGrpSpPr>
+        <p:grpSpPr>
+          <a:xfrm>
+            <a:off x="4021902" y="2959566"/>
+            <a:ext cx="115050" cy="116596"/>
+            <a:chOff x="2575540" y="2959566"/>
+            <a:chExt cx="115050" cy="116596"/>
+          </a:xfrm>
+        </p:grpSpPr>
+        <p:cxnSp>
+          <p:nvCxnSpPr>
+            <p:cNvPr id="116" name="Straight Connector 115"/>
+            <p:cNvCxnSpPr/>
+            <p:nvPr/>
+          </p:nvCxnSpPr>
+          <p:spPr>
+            <a:xfrm>
+              <a:off x="2575540" y="2959566"/>
+              <a:ext cx="115050" cy="115050"/>
+            </a:xfrm>
+            <a:prstGeom prst="line">
+              <a:avLst/>
+            </a:prstGeom>
+            <a:ln w="3175"/>
+          </p:spPr>
+          <p:style>
+            <a:lnRef idx="1">
+              <a:schemeClr val="accent2"/>
+            </a:lnRef>
+            <a:fillRef idx="0">
+              <a:schemeClr val="accent2"/>
+            </a:fillRef>
+            <a:effectRef idx="0">
+              <a:schemeClr val="accent2"/>
+            </a:effectRef>
+            <a:fontRef idx="minor">
+              <a:schemeClr val="tx1"/>
+            </a:fontRef>
+          </p:style>
+        </p:cxnSp>
+        <p:cxnSp>
+          <p:nvCxnSpPr>
+            <p:cNvPr id="117" name="Straight Connector 116"/>
+            <p:cNvCxnSpPr/>
+            <p:nvPr/>
+          </p:nvCxnSpPr>
+          <p:spPr>
+            <a:xfrm flipV="1">
+              <a:off x="2575540" y="2959566"/>
+              <a:ext cx="115050" cy="116596"/>
+            </a:xfrm>
+            <a:prstGeom prst="line">
+              <a:avLst/>
+            </a:prstGeom>
+            <a:ln w="3175"/>
+          </p:spPr>
+          <p:style>
+            <a:lnRef idx="1">
+              <a:schemeClr val="accent2"/>
+            </a:lnRef>
+            <a:fillRef idx="0">
+              <a:schemeClr val="accent2"/>
+            </a:fillRef>
+            <a:effectRef idx="0">
+              <a:schemeClr val="accent2"/>
+            </a:effectRef>
+            <a:fontRef idx="minor">
+              <a:schemeClr val="tx1"/>
+            </a:fontRef>
+          </p:style>
+        </p:cxnSp>
+      </p:grpSp>
     </p:spTree>
     <p:extLst>
       <p:ext uri="{BB962C8B-B14F-4D97-AF65-F5344CB8AC3E}">
